--- a/group_info/demo-group_a_14_1.pptx
+++ b/group_info/demo-group_a_14_1.pptx
@@ -8,22 +8,25 @@
     <p:sldId id="256" r:id="rId2"/>
     <p:sldId id="257" r:id="rId3"/>
     <p:sldId id="262" r:id="rId4"/>
-    <p:sldId id="265" r:id="rId5"/>
-    <p:sldId id="271" r:id="rId6"/>
-    <p:sldId id="272" r:id="rId7"/>
+    <p:sldId id="271" r:id="rId5"/>
+    <p:sldId id="272" r:id="rId6"/>
+    <p:sldId id="283" r:id="rId7"/>
     <p:sldId id="275" r:id="rId8"/>
-    <p:sldId id="274" r:id="rId9"/>
-    <p:sldId id="283" r:id="rId10"/>
-    <p:sldId id="276" r:id="rId11"/>
-    <p:sldId id="277" r:id="rId12"/>
+    <p:sldId id="276" r:id="rId9"/>
+    <p:sldId id="277" r:id="rId10"/>
+    <p:sldId id="265" r:id="rId11"/>
+    <p:sldId id="274" r:id="rId12"/>
     <p:sldId id="278" r:id="rId13"/>
     <p:sldId id="279" r:id="rId14"/>
     <p:sldId id="280" r:id="rId15"/>
     <p:sldId id="281" r:id="rId16"/>
     <p:sldId id="282" r:id="rId17"/>
-    <p:sldId id="258" r:id="rId18"/>
-    <p:sldId id="260" r:id="rId19"/>
-    <p:sldId id="270" r:id="rId20"/>
+    <p:sldId id="286" r:id="rId18"/>
+    <p:sldId id="285" r:id="rId19"/>
+    <p:sldId id="284" r:id="rId20"/>
+    <p:sldId id="258" r:id="rId21"/>
+    <p:sldId id="260" r:id="rId22"/>
+    <p:sldId id="270" r:id="rId23"/>
   </p:sldIdLst>
   <p:sldSz cx="12192000" cy="6858000"/>
   <p:notesSz cx="6858000" cy="9144000"/>
@@ -246,7 +249,7 @@
                 <c:formatCode>General</c:formatCode>
                 <c:ptCount val="1"/>
                 <c:pt idx="0">
-                  <c:v>13</c:v>
+                  <c:v>16</c:v>
                 </c:pt>
               </c:numCache>
             </c:numRef>
@@ -297,7 +300,7 @@
                 <c:formatCode>General</c:formatCode>
                 <c:ptCount val="1"/>
                 <c:pt idx="0">
-                  <c:v>13</c:v>
+                  <c:v>16</c:v>
                 </c:pt>
               </c:numCache>
             </c:numRef>
@@ -501,7 +504,515 @@
 </c:chartSpace>
 </file>
 
+<file path=ppt/charts/chart2.xml><?xml version="1.0" encoding="utf-8"?>
+<c:chartSpace xmlns:c="http://schemas.openxmlformats.org/drawingml/2006/chart" xmlns:a="http://schemas.openxmlformats.org/drawingml/2006/main" xmlns:r="http://schemas.openxmlformats.org/officeDocument/2006/relationships" xmlns:c16r2="http://schemas.microsoft.com/office/drawing/2015/06/chart">
+  <c:date1904 val="0"/>
+  <c:lang val="it-IT"/>
+  <c:roundedCorners val="0"/>
+  <mc:AlternateContent xmlns:mc="http://schemas.openxmlformats.org/markup-compatibility/2006">
+    <mc:Choice xmlns:c14="http://schemas.microsoft.com/office/drawing/2007/8/2/chart" Requires="c14">
+      <c14:style val="102"/>
+    </mc:Choice>
+    <mc:Fallback>
+      <c:style val="2"/>
+    </mc:Fallback>
+  </mc:AlternateContent>
+  <c:chart>
+    <c:title>
+      <c:tx>
+        <c:rich>
+          <a:bodyPr rot="0" spcFirstLastPara="1" vertOverflow="ellipsis" vert="horz" wrap="square" anchor="ctr" anchorCtr="1"/>
+          <a:lstStyle/>
+          <a:p>
+            <a:pPr>
+              <a:defRPr sz="1400" b="0" i="0" u="none" strike="noStrike" kern="1200" spc="0" baseline="0">
+                <a:solidFill>
+                  <a:schemeClr val="tx1">
+                    <a:lumMod val="65000"/>
+                    <a:lumOff val="35000"/>
+                  </a:schemeClr>
+                </a:solidFill>
+                <a:latin typeface="+mn-lt"/>
+                <a:ea typeface="+mn-ea"/>
+                <a:cs typeface="+mn-cs"/>
+              </a:defRPr>
+            </a:pPr>
+            <a:r>
+              <a:rPr lang="it-IT"/>
+              <a:t>Burndown chart</a:t>
+            </a:r>
+          </a:p>
+        </c:rich>
+      </c:tx>
+      <c:overlay val="0"/>
+      <c:spPr>
+        <a:noFill/>
+        <a:ln>
+          <a:noFill/>
+        </a:ln>
+        <a:effectLst/>
+      </c:spPr>
+      <c:txPr>
+        <a:bodyPr rot="0" spcFirstLastPara="1" vertOverflow="ellipsis" vert="horz" wrap="square" anchor="ctr" anchorCtr="1"/>
+        <a:lstStyle/>
+        <a:p>
+          <a:pPr>
+            <a:defRPr sz="1400" b="0" i="0" u="none" strike="noStrike" kern="1200" spc="0" baseline="0">
+              <a:solidFill>
+                <a:schemeClr val="tx1">
+                  <a:lumMod val="65000"/>
+                  <a:lumOff val="35000"/>
+                </a:schemeClr>
+              </a:solidFill>
+              <a:latin typeface="+mn-lt"/>
+              <a:ea typeface="+mn-ea"/>
+              <a:cs typeface="+mn-cs"/>
+            </a:defRPr>
+          </a:pPr>
+          <a:endParaRPr lang="it-IT"/>
+        </a:p>
+      </c:txPr>
+    </c:title>
+    <c:autoTitleDeleted val="0"/>
+    <c:plotArea>
+      <c:layout/>
+      <c:scatterChart>
+        <c:scatterStyle val="lineMarker"/>
+        <c:varyColors val="0"/>
+        <c:ser>
+          <c:idx val="0"/>
+          <c:order val="0"/>
+          <c:tx>
+            <c:strRef>
+              <c:f>Foglio1!$G$2</c:f>
+              <c:strCache>
+                <c:ptCount val="1"/>
+                <c:pt idx="0">
+                  <c:v>Points left</c:v>
+                </c:pt>
+              </c:strCache>
+            </c:strRef>
+          </c:tx>
+          <c:spPr>
+            <a:ln w="19050" cap="rnd">
+              <a:solidFill>
+                <a:srgbClr val="00B0F0"/>
+              </a:solidFill>
+              <a:round/>
+            </a:ln>
+            <a:effectLst/>
+          </c:spPr>
+          <c:marker>
+            <c:symbol val="circle"/>
+            <c:size val="5"/>
+            <c:spPr>
+              <a:solidFill>
+                <a:srgbClr val="00B0F0"/>
+              </a:solidFill>
+              <a:ln w="9525">
+                <a:solidFill>
+                  <a:srgbClr val="00B0F0"/>
+                </a:solidFill>
+              </a:ln>
+              <a:effectLst/>
+            </c:spPr>
+          </c:marker>
+          <c:xVal>
+            <c:numRef>
+              <c:f>Foglio1!$D$55:$D$63</c:f>
+              <c:numCache>
+                <c:formatCode>m/d/yyyy</c:formatCode>
+                <c:ptCount val="9"/>
+                <c:pt idx="0">
+                  <c:v>43817</c:v>
+                </c:pt>
+                <c:pt idx="1">
+                  <c:v>43819</c:v>
+                </c:pt>
+                <c:pt idx="2">
+                  <c:v>43826</c:v>
+                </c:pt>
+                <c:pt idx="3">
+                  <c:v>43832</c:v>
+                </c:pt>
+                <c:pt idx="4">
+                  <c:v>43834</c:v>
+                </c:pt>
+                <c:pt idx="5">
+                  <c:v>43837</c:v>
+                </c:pt>
+                <c:pt idx="6">
+                  <c:v>43838</c:v>
+                </c:pt>
+                <c:pt idx="7">
+                  <c:v>43840</c:v>
+                </c:pt>
+                <c:pt idx="8">
+                  <c:v>43841</c:v>
+                </c:pt>
+              </c:numCache>
+            </c:numRef>
+          </c:xVal>
+          <c:yVal>
+            <c:numRef>
+              <c:f>Foglio1!$E$55:$E$63</c:f>
+              <c:numCache>
+                <c:formatCode>General</c:formatCode>
+                <c:ptCount val="9"/>
+                <c:pt idx="0">
+                  <c:v>70</c:v>
+                </c:pt>
+                <c:pt idx="1">
+                  <c:v>55</c:v>
+                </c:pt>
+                <c:pt idx="2">
+                  <c:v>50</c:v>
+                </c:pt>
+                <c:pt idx="3">
+                  <c:v>29</c:v>
+                </c:pt>
+                <c:pt idx="4">
+                  <c:v>23</c:v>
+                </c:pt>
+                <c:pt idx="5">
+                  <c:v>17</c:v>
+                </c:pt>
+                <c:pt idx="6">
+                  <c:v>15</c:v>
+                </c:pt>
+                <c:pt idx="7">
+                  <c:v>8</c:v>
+                </c:pt>
+                <c:pt idx="8">
+                  <c:v>0</c:v>
+                </c:pt>
+              </c:numCache>
+            </c:numRef>
+          </c:yVal>
+          <c:smooth val="0"/>
+          <c:extLst>
+            <c:ext xmlns:c16="http://schemas.microsoft.com/office/drawing/2014/chart" uri="{C3380CC4-5D6E-409C-BE32-E72D297353CC}">
+              <c16:uniqueId val="{00000000-7B29-4F5B-916A-CA5C0B2D8B6F}"/>
+            </c:ext>
+          </c:extLst>
+        </c:ser>
+        <c:ser>
+          <c:idx val="1"/>
+          <c:order val="1"/>
+          <c:tx>
+            <c:strRef>
+              <c:f>Foglio1!$H$2</c:f>
+              <c:strCache>
+                <c:ptCount val="1"/>
+                <c:pt idx="0">
+                  <c:v>Estimated points left</c:v>
+                </c:pt>
+              </c:strCache>
+            </c:strRef>
+          </c:tx>
+          <c:spPr>
+            <a:ln w="19050" cap="rnd">
+              <a:solidFill>
+                <a:schemeClr val="accent2"/>
+              </a:solidFill>
+              <a:round/>
+            </a:ln>
+            <a:effectLst/>
+          </c:spPr>
+          <c:marker>
+            <c:symbol val="circle"/>
+            <c:size val="5"/>
+            <c:spPr>
+              <a:solidFill>
+                <a:schemeClr val="accent2"/>
+              </a:solidFill>
+              <a:ln w="9525">
+                <a:solidFill>
+                  <a:schemeClr val="accent2"/>
+                </a:solidFill>
+              </a:ln>
+              <a:effectLst/>
+            </c:spPr>
+          </c:marker>
+          <c:xVal>
+            <c:numRef>
+              <c:f>Foglio1!$C$51:$C$52</c:f>
+              <c:numCache>
+                <c:formatCode>m/d/yyyy</c:formatCode>
+                <c:ptCount val="2"/>
+                <c:pt idx="0">
+                  <c:v>43817</c:v>
+                </c:pt>
+                <c:pt idx="1">
+                  <c:v>43844</c:v>
+                </c:pt>
+              </c:numCache>
+            </c:numRef>
+          </c:xVal>
+          <c:yVal>
+            <c:numRef>
+              <c:f>Foglio1!$H$51:$H$52</c:f>
+              <c:numCache>
+                <c:formatCode>General</c:formatCode>
+                <c:ptCount val="2"/>
+                <c:pt idx="0">
+                  <c:v>70</c:v>
+                </c:pt>
+                <c:pt idx="1">
+                  <c:v>0</c:v>
+                </c:pt>
+              </c:numCache>
+            </c:numRef>
+          </c:yVal>
+          <c:smooth val="0"/>
+          <c:extLst>
+            <c:ext xmlns:c16="http://schemas.microsoft.com/office/drawing/2014/chart" uri="{C3380CC4-5D6E-409C-BE32-E72D297353CC}">
+              <c16:uniqueId val="{00000001-7B29-4F5B-916A-CA5C0B2D8B6F}"/>
+            </c:ext>
+          </c:extLst>
+        </c:ser>
+        <c:dLbls>
+          <c:showLegendKey val="0"/>
+          <c:showVal val="0"/>
+          <c:showCatName val="0"/>
+          <c:showSerName val="0"/>
+          <c:showPercent val="0"/>
+          <c:showBubbleSize val="0"/>
+        </c:dLbls>
+        <c:axId val="813059824"/>
+        <c:axId val="635105824"/>
+      </c:scatterChart>
+      <c:valAx>
+        <c:axId val="813059824"/>
+        <c:scaling>
+          <c:orientation val="minMax"/>
+        </c:scaling>
+        <c:delete val="0"/>
+        <c:axPos val="b"/>
+        <c:majorGridlines>
+          <c:spPr>
+            <a:ln w="9525" cap="flat" cmpd="sng" algn="ctr">
+              <a:solidFill>
+                <a:schemeClr val="tx1">
+                  <a:lumMod val="15000"/>
+                  <a:lumOff val="85000"/>
+                </a:schemeClr>
+              </a:solidFill>
+              <a:round/>
+            </a:ln>
+            <a:effectLst/>
+          </c:spPr>
+        </c:majorGridlines>
+        <c:numFmt formatCode="m/d/yyyy" sourceLinked="1"/>
+        <c:majorTickMark val="none"/>
+        <c:minorTickMark val="none"/>
+        <c:tickLblPos val="nextTo"/>
+        <c:spPr>
+          <a:noFill/>
+          <a:ln w="9525" cap="flat" cmpd="sng" algn="ctr">
+            <a:solidFill>
+              <a:schemeClr val="tx1">
+                <a:lumMod val="25000"/>
+                <a:lumOff val="75000"/>
+              </a:schemeClr>
+            </a:solidFill>
+            <a:round/>
+          </a:ln>
+          <a:effectLst/>
+        </c:spPr>
+        <c:txPr>
+          <a:bodyPr rot="-60000000" spcFirstLastPara="1" vertOverflow="ellipsis" vert="horz" wrap="square" anchor="ctr" anchorCtr="1"/>
+          <a:lstStyle/>
+          <a:p>
+            <a:pPr>
+              <a:defRPr sz="900" b="0" i="0" u="none" strike="noStrike" kern="1200" baseline="0">
+                <a:solidFill>
+                  <a:schemeClr val="tx1">
+                    <a:lumMod val="65000"/>
+                    <a:lumOff val="35000"/>
+                  </a:schemeClr>
+                </a:solidFill>
+                <a:latin typeface="+mn-lt"/>
+                <a:ea typeface="+mn-ea"/>
+                <a:cs typeface="+mn-cs"/>
+              </a:defRPr>
+            </a:pPr>
+            <a:endParaRPr lang="it-IT"/>
+          </a:p>
+        </c:txPr>
+        <c:crossAx val="635105824"/>
+        <c:crosses val="autoZero"/>
+        <c:crossBetween val="midCat"/>
+      </c:valAx>
+      <c:valAx>
+        <c:axId val="635105824"/>
+        <c:scaling>
+          <c:orientation val="minMax"/>
+        </c:scaling>
+        <c:delete val="0"/>
+        <c:axPos val="l"/>
+        <c:majorGridlines>
+          <c:spPr>
+            <a:ln w="9525" cap="flat" cmpd="sng" algn="ctr">
+              <a:solidFill>
+                <a:schemeClr val="tx1">
+                  <a:lumMod val="15000"/>
+                  <a:lumOff val="85000"/>
+                </a:schemeClr>
+              </a:solidFill>
+              <a:round/>
+            </a:ln>
+            <a:effectLst/>
+          </c:spPr>
+        </c:majorGridlines>
+        <c:numFmt formatCode="General" sourceLinked="1"/>
+        <c:majorTickMark val="none"/>
+        <c:minorTickMark val="none"/>
+        <c:tickLblPos val="nextTo"/>
+        <c:spPr>
+          <a:noFill/>
+          <a:ln w="9525" cap="flat" cmpd="sng" algn="ctr">
+            <a:solidFill>
+              <a:schemeClr val="tx1">
+                <a:lumMod val="25000"/>
+                <a:lumOff val="75000"/>
+              </a:schemeClr>
+            </a:solidFill>
+            <a:round/>
+          </a:ln>
+          <a:effectLst/>
+        </c:spPr>
+        <c:txPr>
+          <a:bodyPr rot="-60000000" spcFirstLastPara="1" vertOverflow="ellipsis" vert="horz" wrap="square" anchor="ctr" anchorCtr="1"/>
+          <a:lstStyle/>
+          <a:p>
+            <a:pPr>
+              <a:defRPr sz="900" b="0" i="0" u="none" strike="noStrike" kern="1200" baseline="0">
+                <a:solidFill>
+                  <a:schemeClr val="tx1">
+                    <a:lumMod val="65000"/>
+                    <a:lumOff val="35000"/>
+                  </a:schemeClr>
+                </a:solidFill>
+                <a:latin typeface="+mn-lt"/>
+                <a:ea typeface="+mn-ea"/>
+                <a:cs typeface="+mn-cs"/>
+              </a:defRPr>
+            </a:pPr>
+            <a:endParaRPr lang="it-IT"/>
+          </a:p>
+        </c:txPr>
+        <c:crossAx val="813059824"/>
+        <c:crosses val="autoZero"/>
+        <c:crossBetween val="midCat"/>
+      </c:valAx>
+      <c:spPr>
+        <a:noFill/>
+        <a:ln>
+          <a:noFill/>
+        </a:ln>
+        <a:effectLst/>
+      </c:spPr>
+    </c:plotArea>
+    <c:legend>
+      <c:legendPos val="b"/>
+      <c:overlay val="0"/>
+      <c:spPr>
+        <a:noFill/>
+        <a:ln>
+          <a:noFill/>
+        </a:ln>
+        <a:effectLst/>
+      </c:spPr>
+      <c:txPr>
+        <a:bodyPr rot="0" spcFirstLastPara="1" vertOverflow="ellipsis" vert="horz" wrap="square" anchor="ctr" anchorCtr="1"/>
+        <a:lstStyle/>
+        <a:p>
+          <a:pPr>
+            <a:defRPr sz="900" b="0" i="0" u="none" strike="noStrike" kern="1200" baseline="0">
+              <a:solidFill>
+                <a:schemeClr val="tx1">
+                  <a:lumMod val="65000"/>
+                  <a:lumOff val="35000"/>
+                </a:schemeClr>
+              </a:solidFill>
+              <a:latin typeface="+mn-lt"/>
+              <a:ea typeface="+mn-ea"/>
+              <a:cs typeface="+mn-cs"/>
+            </a:defRPr>
+          </a:pPr>
+          <a:endParaRPr lang="it-IT"/>
+        </a:p>
+      </c:txPr>
+    </c:legend>
+    <c:plotVisOnly val="1"/>
+    <c:dispBlanksAs val="gap"/>
+    <c:showDLblsOverMax val="0"/>
+  </c:chart>
+  <c:spPr>
+    <a:noFill/>
+    <a:ln>
+      <a:noFill/>
+    </a:ln>
+    <a:effectLst/>
+  </c:spPr>
+  <c:txPr>
+    <a:bodyPr/>
+    <a:lstStyle/>
+    <a:p>
+      <a:pPr>
+        <a:defRPr/>
+      </a:pPr>
+      <a:endParaRPr lang="it-IT"/>
+    </a:p>
+  </c:txPr>
+  <c:externalData r:id="rId3">
+    <c:autoUpdate val="0"/>
+  </c:externalData>
+</c:chartSpace>
+</file>
+
 <file path=ppt/charts/colors1.xml><?xml version="1.0" encoding="utf-8"?>
+<cs:colorStyle xmlns:cs="http://schemas.microsoft.com/office/drawing/2012/chartStyle" xmlns:a="http://schemas.openxmlformats.org/drawingml/2006/main" meth="cycle" id="10">
+  <a:schemeClr val="accent1"/>
+  <a:schemeClr val="accent2"/>
+  <a:schemeClr val="accent3"/>
+  <a:schemeClr val="accent4"/>
+  <a:schemeClr val="accent5"/>
+  <a:schemeClr val="accent6"/>
+  <cs:variation/>
+  <cs:variation>
+    <a:lumMod val="60000"/>
+  </cs:variation>
+  <cs:variation>
+    <a:lumMod val="80000"/>
+    <a:lumOff val="20000"/>
+  </cs:variation>
+  <cs:variation>
+    <a:lumMod val="80000"/>
+  </cs:variation>
+  <cs:variation>
+    <a:lumMod val="60000"/>
+    <a:lumOff val="40000"/>
+  </cs:variation>
+  <cs:variation>
+    <a:lumMod val="50000"/>
+  </cs:variation>
+  <cs:variation>
+    <a:lumMod val="70000"/>
+    <a:lumOff val="30000"/>
+  </cs:variation>
+  <cs:variation>
+    <a:lumMod val="70000"/>
+  </cs:variation>
+  <cs:variation>
+    <a:lumMod val="50000"/>
+    <a:lumOff val="50000"/>
+  </cs:variation>
+</cs:colorStyle>
+</file>
+
+<file path=ppt/charts/colors2.xml><?xml version="1.0" encoding="utf-8"?>
 <cs:colorStyle xmlns:cs="http://schemas.microsoft.com/office/drawing/2012/chartStyle" xmlns:a="http://schemas.openxmlformats.org/drawingml/2006/main" meth="cycle" id="10">
   <a:schemeClr val="accent1"/>
   <a:schemeClr val="accent2"/>
@@ -1044,6 +1555,522 @@
 </cs:chartStyle>
 </file>
 
+<file path=ppt/charts/style2.xml><?xml version="1.0" encoding="utf-8"?>
+<cs:chartStyle xmlns:cs="http://schemas.microsoft.com/office/drawing/2012/chartStyle" xmlns:a="http://schemas.openxmlformats.org/drawingml/2006/main" id="240">
+  <cs:axisTitle>
+    <cs:lnRef idx="0"/>
+    <cs:fillRef idx="0"/>
+    <cs:effectRef idx="0"/>
+    <cs:fontRef idx="minor">
+      <a:schemeClr val="tx1">
+        <a:lumMod val="65000"/>
+        <a:lumOff val="35000"/>
+      </a:schemeClr>
+    </cs:fontRef>
+    <cs:defRPr sz="1000" kern="1200"/>
+  </cs:axisTitle>
+  <cs:categoryAxis>
+    <cs:lnRef idx="0"/>
+    <cs:fillRef idx="0"/>
+    <cs:effectRef idx="0"/>
+    <cs:fontRef idx="minor">
+      <a:schemeClr val="tx1">
+        <a:lumMod val="65000"/>
+        <a:lumOff val="35000"/>
+      </a:schemeClr>
+    </cs:fontRef>
+    <cs:spPr>
+      <a:ln w="9525" cap="flat" cmpd="sng" algn="ctr">
+        <a:solidFill>
+          <a:schemeClr val="tx1">
+            <a:lumMod val="25000"/>
+            <a:lumOff val="75000"/>
+          </a:schemeClr>
+        </a:solidFill>
+        <a:round/>
+      </a:ln>
+    </cs:spPr>
+    <cs:defRPr sz="900" kern="1200"/>
+  </cs:categoryAxis>
+  <cs:chartArea mods="allowNoFillOverride allowNoLineOverride">
+    <cs:lnRef idx="0"/>
+    <cs:fillRef idx="0"/>
+    <cs:effectRef idx="0"/>
+    <cs:fontRef idx="minor">
+      <a:schemeClr val="tx1"/>
+    </cs:fontRef>
+    <cs:spPr>
+      <a:solidFill>
+        <a:schemeClr val="bg1"/>
+      </a:solidFill>
+      <a:ln w="9525" cap="flat" cmpd="sng" algn="ctr">
+        <a:solidFill>
+          <a:schemeClr val="tx1">
+            <a:lumMod val="15000"/>
+            <a:lumOff val="85000"/>
+          </a:schemeClr>
+        </a:solidFill>
+        <a:round/>
+      </a:ln>
+    </cs:spPr>
+    <cs:defRPr sz="1000" kern="1200"/>
+  </cs:chartArea>
+  <cs:dataLabel>
+    <cs:lnRef idx="0"/>
+    <cs:fillRef idx="0"/>
+    <cs:effectRef idx="0"/>
+    <cs:fontRef idx="minor">
+      <a:schemeClr val="tx1">
+        <a:lumMod val="75000"/>
+        <a:lumOff val="25000"/>
+      </a:schemeClr>
+    </cs:fontRef>
+    <cs:defRPr sz="900" kern="1200"/>
+  </cs:dataLabel>
+  <cs:dataLabelCallout>
+    <cs:lnRef idx="0"/>
+    <cs:fillRef idx="0"/>
+    <cs:effectRef idx="0"/>
+    <cs:fontRef idx="minor">
+      <a:schemeClr val="dk1">
+        <a:lumMod val="65000"/>
+        <a:lumOff val="35000"/>
+      </a:schemeClr>
+    </cs:fontRef>
+    <cs:spPr>
+      <a:solidFill>
+        <a:schemeClr val="lt1"/>
+      </a:solidFill>
+      <a:ln>
+        <a:solidFill>
+          <a:schemeClr val="dk1">
+            <a:lumMod val="25000"/>
+            <a:lumOff val="75000"/>
+          </a:schemeClr>
+        </a:solidFill>
+      </a:ln>
+    </cs:spPr>
+    <cs:defRPr sz="900" kern="1200"/>
+    <cs:bodyPr rot="0" spcFirstLastPara="1" vertOverflow="clip" horzOverflow="clip" vert="horz" wrap="square" lIns="36576" tIns="18288" rIns="36576" bIns="18288" anchor="ctr" anchorCtr="1">
+      <a:spAutoFit/>
+    </cs:bodyPr>
+  </cs:dataLabelCallout>
+  <cs:dataPoint>
+    <cs:lnRef idx="0"/>
+    <cs:fillRef idx="1">
+      <cs:styleClr val="auto"/>
+    </cs:fillRef>
+    <cs:effectRef idx="0"/>
+    <cs:fontRef idx="minor">
+      <a:schemeClr val="tx1"/>
+    </cs:fontRef>
+  </cs:dataPoint>
+  <cs:dataPoint3D>
+    <cs:lnRef idx="0"/>
+    <cs:fillRef idx="1">
+      <cs:styleClr val="auto"/>
+    </cs:fillRef>
+    <cs:effectRef idx="0"/>
+    <cs:fontRef idx="minor">
+      <a:schemeClr val="tx1"/>
+    </cs:fontRef>
+  </cs:dataPoint3D>
+  <cs:dataPointLine>
+    <cs:lnRef idx="0">
+      <cs:styleClr val="auto"/>
+    </cs:lnRef>
+    <cs:fillRef idx="1"/>
+    <cs:effectRef idx="0"/>
+    <cs:fontRef idx="minor">
+      <a:schemeClr val="tx1"/>
+    </cs:fontRef>
+    <cs:spPr>
+      <a:ln w="19050" cap="rnd">
+        <a:solidFill>
+          <a:schemeClr val="phClr"/>
+        </a:solidFill>
+        <a:round/>
+      </a:ln>
+    </cs:spPr>
+  </cs:dataPointLine>
+  <cs:dataPointMarker>
+    <cs:lnRef idx="0">
+      <cs:styleClr val="auto"/>
+    </cs:lnRef>
+    <cs:fillRef idx="1">
+      <cs:styleClr val="auto"/>
+    </cs:fillRef>
+    <cs:effectRef idx="0"/>
+    <cs:fontRef idx="minor">
+      <a:schemeClr val="tx1"/>
+    </cs:fontRef>
+    <cs:spPr>
+      <a:ln w="9525">
+        <a:solidFill>
+          <a:schemeClr val="phClr"/>
+        </a:solidFill>
+      </a:ln>
+    </cs:spPr>
+  </cs:dataPointMarker>
+  <cs:dataPointMarkerLayout symbol="circle" size="5"/>
+  <cs:dataPointWireframe>
+    <cs:lnRef idx="0">
+      <cs:styleClr val="auto"/>
+    </cs:lnRef>
+    <cs:fillRef idx="0"/>
+    <cs:effectRef idx="0"/>
+    <cs:fontRef idx="minor">
+      <a:schemeClr val="dk1"/>
+    </cs:fontRef>
+    <cs:spPr>
+      <a:ln w="9525" cap="rnd">
+        <a:solidFill>
+          <a:schemeClr val="phClr"/>
+        </a:solidFill>
+        <a:round/>
+      </a:ln>
+    </cs:spPr>
+  </cs:dataPointWireframe>
+  <cs:dataTable>
+    <cs:lnRef idx="0"/>
+    <cs:fillRef idx="0"/>
+    <cs:effectRef idx="0"/>
+    <cs:fontRef idx="minor">
+      <a:schemeClr val="tx1">
+        <a:lumMod val="65000"/>
+        <a:lumOff val="35000"/>
+      </a:schemeClr>
+    </cs:fontRef>
+    <cs:spPr>
+      <a:noFill/>
+      <a:ln w="9525" cap="flat" cmpd="sng" algn="ctr">
+        <a:solidFill>
+          <a:schemeClr val="tx1">
+            <a:lumMod val="15000"/>
+            <a:lumOff val="85000"/>
+          </a:schemeClr>
+        </a:solidFill>
+        <a:round/>
+      </a:ln>
+    </cs:spPr>
+    <cs:defRPr sz="900" kern="1200"/>
+  </cs:dataTable>
+  <cs:downBar>
+    <cs:lnRef idx="0"/>
+    <cs:fillRef idx="0"/>
+    <cs:effectRef idx="0"/>
+    <cs:fontRef idx="minor">
+      <a:schemeClr val="tx1"/>
+    </cs:fontRef>
+    <cs:spPr>
+      <a:solidFill>
+        <a:schemeClr val="dk1">
+          <a:lumMod val="75000"/>
+          <a:lumOff val="25000"/>
+        </a:schemeClr>
+      </a:solidFill>
+      <a:ln w="9525" cap="flat" cmpd="sng" algn="ctr">
+        <a:solidFill>
+          <a:schemeClr val="tx1">
+            <a:lumMod val="65000"/>
+            <a:lumOff val="35000"/>
+          </a:schemeClr>
+        </a:solidFill>
+        <a:round/>
+      </a:ln>
+    </cs:spPr>
+  </cs:downBar>
+  <cs:dropLine>
+    <cs:lnRef idx="0"/>
+    <cs:fillRef idx="0"/>
+    <cs:effectRef idx="0"/>
+    <cs:fontRef idx="minor">
+      <a:schemeClr val="tx1"/>
+    </cs:fontRef>
+    <cs:spPr>
+      <a:ln w="9525" cap="flat" cmpd="sng" algn="ctr">
+        <a:solidFill>
+          <a:schemeClr val="tx1">
+            <a:lumMod val="35000"/>
+            <a:lumOff val="65000"/>
+          </a:schemeClr>
+        </a:solidFill>
+        <a:round/>
+      </a:ln>
+    </cs:spPr>
+  </cs:dropLine>
+  <cs:errorBar>
+    <cs:lnRef idx="0"/>
+    <cs:fillRef idx="0"/>
+    <cs:effectRef idx="0"/>
+    <cs:fontRef idx="minor">
+      <a:schemeClr val="tx1"/>
+    </cs:fontRef>
+    <cs:spPr>
+      <a:ln w="9525" cap="flat" cmpd="sng" algn="ctr">
+        <a:solidFill>
+          <a:schemeClr val="tx1">
+            <a:lumMod val="65000"/>
+            <a:lumOff val="35000"/>
+          </a:schemeClr>
+        </a:solidFill>
+        <a:round/>
+      </a:ln>
+    </cs:spPr>
+  </cs:errorBar>
+  <cs:floor>
+    <cs:lnRef idx="0"/>
+    <cs:fillRef idx="0"/>
+    <cs:effectRef idx="0"/>
+    <cs:fontRef idx="minor">
+      <a:schemeClr val="tx1"/>
+    </cs:fontRef>
+    <cs:spPr>
+      <a:noFill/>
+      <a:ln>
+        <a:noFill/>
+      </a:ln>
+    </cs:spPr>
+  </cs:floor>
+  <cs:gridlineMajor>
+    <cs:lnRef idx="0"/>
+    <cs:fillRef idx="0"/>
+    <cs:effectRef idx="0"/>
+    <cs:fontRef idx="minor">
+      <a:schemeClr val="tx1"/>
+    </cs:fontRef>
+    <cs:spPr>
+      <a:ln w="9525" cap="flat" cmpd="sng" algn="ctr">
+        <a:solidFill>
+          <a:schemeClr val="tx1">
+            <a:lumMod val="15000"/>
+            <a:lumOff val="85000"/>
+          </a:schemeClr>
+        </a:solidFill>
+        <a:round/>
+      </a:ln>
+    </cs:spPr>
+  </cs:gridlineMajor>
+  <cs:gridlineMinor>
+    <cs:lnRef idx="0"/>
+    <cs:fillRef idx="0"/>
+    <cs:effectRef idx="0"/>
+    <cs:fontRef idx="minor">
+      <a:schemeClr val="tx1"/>
+    </cs:fontRef>
+    <cs:spPr>
+      <a:ln w="9525" cap="flat" cmpd="sng" algn="ctr">
+        <a:solidFill>
+          <a:schemeClr val="tx1">
+            <a:lumMod val="5000"/>
+            <a:lumOff val="95000"/>
+          </a:schemeClr>
+        </a:solidFill>
+        <a:round/>
+      </a:ln>
+    </cs:spPr>
+  </cs:gridlineMinor>
+  <cs:hiLoLine>
+    <cs:lnRef idx="0"/>
+    <cs:fillRef idx="0"/>
+    <cs:effectRef idx="0"/>
+    <cs:fontRef idx="minor">
+      <a:schemeClr val="tx1"/>
+    </cs:fontRef>
+    <cs:spPr>
+      <a:ln w="9525" cap="flat" cmpd="sng" algn="ctr">
+        <a:solidFill>
+          <a:schemeClr val="tx1">
+            <a:lumMod val="50000"/>
+            <a:lumOff val="50000"/>
+          </a:schemeClr>
+        </a:solidFill>
+        <a:round/>
+      </a:ln>
+    </cs:spPr>
+  </cs:hiLoLine>
+  <cs:leaderLine>
+    <cs:lnRef idx="0"/>
+    <cs:fillRef idx="0"/>
+    <cs:effectRef idx="0"/>
+    <cs:fontRef idx="minor">
+      <a:schemeClr val="tx1"/>
+    </cs:fontRef>
+    <cs:spPr>
+      <a:ln w="9525" cap="flat" cmpd="sng" algn="ctr">
+        <a:solidFill>
+          <a:schemeClr val="tx1">
+            <a:lumMod val="35000"/>
+            <a:lumOff val="65000"/>
+          </a:schemeClr>
+        </a:solidFill>
+        <a:round/>
+      </a:ln>
+    </cs:spPr>
+  </cs:leaderLine>
+  <cs:legend>
+    <cs:lnRef idx="0"/>
+    <cs:fillRef idx="0"/>
+    <cs:effectRef idx="0"/>
+    <cs:fontRef idx="minor">
+      <a:schemeClr val="tx1">
+        <a:lumMod val="65000"/>
+        <a:lumOff val="35000"/>
+      </a:schemeClr>
+    </cs:fontRef>
+    <cs:defRPr sz="900" kern="1200"/>
+  </cs:legend>
+  <cs:plotArea mods="allowNoFillOverride allowNoLineOverride">
+    <cs:lnRef idx="0"/>
+    <cs:fillRef idx="0"/>
+    <cs:effectRef idx="0"/>
+    <cs:fontRef idx="minor">
+      <a:schemeClr val="tx1"/>
+    </cs:fontRef>
+  </cs:plotArea>
+  <cs:plotArea3D mods="allowNoFillOverride allowNoLineOverride">
+    <cs:lnRef idx="0"/>
+    <cs:fillRef idx="0"/>
+    <cs:effectRef idx="0"/>
+    <cs:fontRef idx="minor">
+      <a:schemeClr val="tx1"/>
+    </cs:fontRef>
+  </cs:plotArea3D>
+  <cs:seriesAxis>
+    <cs:lnRef idx="0"/>
+    <cs:fillRef idx="0"/>
+    <cs:effectRef idx="0"/>
+    <cs:fontRef idx="minor">
+      <a:schemeClr val="tx1">
+        <a:lumMod val="65000"/>
+        <a:lumOff val="35000"/>
+      </a:schemeClr>
+    </cs:fontRef>
+    <cs:defRPr sz="900" kern="1200"/>
+  </cs:seriesAxis>
+  <cs:seriesLine>
+    <cs:lnRef idx="0"/>
+    <cs:fillRef idx="0"/>
+    <cs:effectRef idx="0"/>
+    <cs:fontRef idx="minor">
+      <a:schemeClr val="tx1"/>
+    </cs:fontRef>
+    <cs:spPr>
+      <a:ln w="9525" cap="flat" cmpd="sng" algn="ctr">
+        <a:solidFill>
+          <a:schemeClr val="tx1">
+            <a:lumMod val="35000"/>
+            <a:lumOff val="65000"/>
+          </a:schemeClr>
+        </a:solidFill>
+        <a:round/>
+      </a:ln>
+    </cs:spPr>
+  </cs:seriesLine>
+  <cs:title>
+    <cs:lnRef idx="0"/>
+    <cs:fillRef idx="0"/>
+    <cs:effectRef idx="0"/>
+    <cs:fontRef idx="minor">
+      <a:schemeClr val="tx1">
+        <a:lumMod val="65000"/>
+        <a:lumOff val="35000"/>
+      </a:schemeClr>
+    </cs:fontRef>
+    <cs:defRPr sz="1400" b="0" kern="1200" spc="0" baseline="0"/>
+  </cs:title>
+  <cs:trendline>
+    <cs:lnRef idx="0">
+      <cs:styleClr val="auto"/>
+    </cs:lnRef>
+    <cs:fillRef idx="0"/>
+    <cs:effectRef idx="0"/>
+    <cs:fontRef idx="minor">
+      <a:schemeClr val="tx1"/>
+    </cs:fontRef>
+    <cs:spPr>
+      <a:ln w="19050" cap="rnd">
+        <a:solidFill>
+          <a:schemeClr val="phClr"/>
+        </a:solidFill>
+        <a:prstDash val="sysDot"/>
+      </a:ln>
+    </cs:spPr>
+  </cs:trendline>
+  <cs:trendlineLabel>
+    <cs:lnRef idx="0"/>
+    <cs:fillRef idx="0"/>
+    <cs:effectRef idx="0"/>
+    <cs:fontRef idx="minor">
+      <a:schemeClr val="tx1">
+        <a:lumMod val="65000"/>
+        <a:lumOff val="35000"/>
+      </a:schemeClr>
+    </cs:fontRef>
+    <cs:defRPr sz="900" kern="1200"/>
+  </cs:trendlineLabel>
+  <cs:upBar>
+    <cs:lnRef idx="0"/>
+    <cs:fillRef idx="0"/>
+    <cs:effectRef idx="0"/>
+    <cs:fontRef idx="minor">
+      <a:schemeClr val="tx1"/>
+    </cs:fontRef>
+    <cs:spPr>
+      <a:solidFill>
+        <a:schemeClr val="lt1"/>
+      </a:solidFill>
+      <a:ln w="9525" cap="flat" cmpd="sng" algn="ctr">
+        <a:solidFill>
+          <a:schemeClr val="tx1">
+            <a:lumMod val="65000"/>
+            <a:lumOff val="35000"/>
+          </a:schemeClr>
+        </a:solidFill>
+        <a:round/>
+      </a:ln>
+    </cs:spPr>
+  </cs:upBar>
+  <cs:valueAxis>
+    <cs:lnRef idx="0"/>
+    <cs:fillRef idx="0"/>
+    <cs:effectRef idx="0"/>
+    <cs:fontRef idx="minor">
+      <a:schemeClr val="tx1">
+        <a:lumMod val="65000"/>
+        <a:lumOff val="35000"/>
+      </a:schemeClr>
+    </cs:fontRef>
+    <cs:spPr>
+      <a:ln w="9525" cap="flat" cmpd="sng" algn="ctr">
+        <a:solidFill>
+          <a:schemeClr val="tx1">
+            <a:lumMod val="25000"/>
+            <a:lumOff val="75000"/>
+          </a:schemeClr>
+        </a:solidFill>
+        <a:round/>
+      </a:ln>
+    </cs:spPr>
+    <cs:defRPr sz="900" kern="1200"/>
+  </cs:valueAxis>
+  <cs:wall>
+    <cs:lnRef idx="0"/>
+    <cs:fillRef idx="0"/>
+    <cs:effectRef idx="0"/>
+    <cs:fontRef idx="minor">
+      <a:schemeClr val="tx1"/>
+    </cs:fontRef>
+    <cs:spPr>
+      <a:noFill/>
+      <a:ln>
+        <a:noFill/>
+      </a:ln>
+    </cs:spPr>
+  </cs:wall>
+</cs:chartStyle>
+</file>
+
 <file path=ppt/slideLayouts/slideLayout1.xml><?xml version="1.0" encoding="utf-8"?>
 <p:sldLayout xmlns:a="http://schemas.openxmlformats.org/drawingml/2006/main" xmlns:r="http://schemas.openxmlformats.org/officeDocument/2006/relationships" xmlns:p="http://schemas.openxmlformats.org/presentationml/2006/main" type="title" preserve="1">
   <p:cSld name="Diapositiva titolo">
@@ -1230,7 +2257,7 @@
           <a:p>
             <a:fld id="{4AAD347D-5ACD-4C99-B74B-A9C85AD731AF}" type="datetimeFigureOut">
               <a:rPr lang="en-US" dirty="0"/>
-              <a:t>1/9/2020</a:t>
+              <a:t>1/13/2020</a:t>
             </a:fld>
             <a:endParaRPr lang="en-US" dirty="0"/>
           </a:p>
@@ -1500,7 +2527,7 @@
           <a:p>
             <a:fld id="{4509A250-FF31-4206-8172-F9D3106AACB1}" type="datetimeFigureOut">
               <a:rPr lang="en-US" dirty="0"/>
-              <a:t>1/9/2020</a:t>
+              <a:t>1/13/2020</a:t>
             </a:fld>
             <a:endParaRPr lang="en-US" dirty="0"/>
           </a:p>
@@ -1689,7 +2716,7 @@
           <a:p>
             <a:fld id="{4509A250-FF31-4206-8172-F9D3106AACB1}" type="datetimeFigureOut">
               <a:rPr lang="en-US" dirty="0"/>
-              <a:t>1/9/2020</a:t>
+              <a:t>1/13/2020</a:t>
             </a:fld>
             <a:endParaRPr lang="en-US" dirty="0"/>
           </a:p>
@@ -1957,7 +2984,7 @@
           <a:p>
             <a:fld id="{4509A250-FF31-4206-8172-F9D3106AACB1}" type="datetimeFigureOut">
               <a:rPr lang="en-US" dirty="0"/>
-              <a:t>1/9/2020</a:t>
+              <a:t>1/13/2020</a:t>
             </a:fld>
             <a:endParaRPr lang="en-US" dirty="0"/>
           </a:p>
@@ -2293,7 +3320,7 @@
           <a:p>
             <a:fld id="{4509A250-FF31-4206-8172-F9D3106AACB1}" type="datetimeFigureOut">
               <a:rPr lang="en-US" dirty="0"/>
-              <a:t>1/9/2020</a:t>
+              <a:t>1/13/2020</a:t>
             </a:fld>
             <a:endParaRPr lang="en-US" dirty="0"/>
           </a:p>
@@ -2911,7 +3938,7 @@
           <a:p>
             <a:fld id="{4509A250-FF31-4206-8172-F9D3106AACB1}" type="datetimeFigureOut">
               <a:rPr lang="en-US" dirty="0"/>
-              <a:t>1/9/2020</a:t>
+              <a:t>1/13/2020</a:t>
             </a:fld>
             <a:endParaRPr lang="en-US" dirty="0"/>
           </a:p>
@@ -3766,7 +4793,7 @@
           <a:p>
             <a:fld id="{4509A250-FF31-4206-8172-F9D3106AACB1}" type="datetimeFigureOut">
               <a:rPr lang="en-US" dirty="0"/>
-              <a:t>1/9/2020</a:t>
+              <a:t>1/13/2020</a:t>
             </a:fld>
             <a:endParaRPr lang="en-US" dirty="0"/>
           </a:p>
@@ -3931,7 +4958,7 @@
           <a:p>
             <a:fld id="{4509A250-FF31-4206-8172-F9D3106AACB1}" type="datetimeFigureOut">
               <a:rPr lang="en-US" dirty="0"/>
-              <a:t>1/9/2020</a:t>
+              <a:t>1/13/2020</a:t>
             </a:fld>
             <a:endParaRPr lang="en-US" dirty="0"/>
           </a:p>
@@ -4106,7 +5133,7 @@
           <a:p>
             <a:fld id="{4509A250-FF31-4206-8172-F9D3106AACB1}" type="datetimeFigureOut">
               <a:rPr lang="en-US" dirty="0"/>
-              <a:t>1/9/2020</a:t>
+              <a:t>1/13/2020</a:t>
             </a:fld>
             <a:endParaRPr lang="en-US" dirty="0"/>
           </a:p>
@@ -4271,7 +5298,7 @@
           <a:p>
             <a:fld id="{4509A250-FF31-4206-8172-F9D3106AACB1}" type="datetimeFigureOut">
               <a:rPr lang="en-US" dirty="0"/>
-              <a:t>1/9/2020</a:t>
+              <a:t>1/13/2020</a:t>
             </a:fld>
             <a:endParaRPr lang="en-US" dirty="0"/>
           </a:p>
@@ -4513,7 +5540,7 @@
           <a:p>
             <a:fld id="{9796027F-7875-4030-9381-8BD8C4F21935}" type="datetimeFigureOut">
               <a:rPr lang="en-US" dirty="0"/>
-              <a:t>1/9/2020</a:t>
+              <a:t>1/13/2020</a:t>
             </a:fld>
             <a:endParaRPr lang="en-US" dirty="0"/>
           </a:p>
@@ -4800,7 +5827,7 @@
           <a:p>
             <a:fld id="{9796027F-7875-4030-9381-8BD8C4F21935}" type="datetimeFigureOut">
               <a:rPr lang="en-US" dirty="0"/>
-              <a:t>1/9/2020</a:t>
+              <a:t>1/13/2020</a:t>
             </a:fld>
             <a:endParaRPr lang="en-US" dirty="0"/>
           </a:p>
@@ -5239,7 +6266,7 @@
           <a:p>
             <a:fld id="{9796027F-7875-4030-9381-8BD8C4F21935}" type="datetimeFigureOut">
               <a:rPr lang="en-US" dirty="0"/>
-              <a:t>1/9/2020</a:t>
+              <a:t>1/13/2020</a:t>
             </a:fld>
             <a:endParaRPr lang="en-US" dirty="0"/>
           </a:p>
@@ -5352,7 +6379,7 @@
           <a:p>
             <a:fld id="{4509A250-FF31-4206-8172-F9D3106AACB1}" type="datetimeFigureOut">
               <a:rPr lang="en-US" dirty="0"/>
-              <a:t>1/9/2020</a:t>
+              <a:t>1/13/2020</a:t>
             </a:fld>
             <a:endParaRPr lang="en-US" dirty="0"/>
           </a:p>
@@ -5442,7 +6469,7 @@
           <a:p>
             <a:fld id="{4509A250-FF31-4206-8172-F9D3106AACB1}" type="datetimeFigureOut">
               <a:rPr lang="en-US" dirty="0"/>
-              <a:t>1/9/2020</a:t>
+              <a:t>1/13/2020</a:t>
             </a:fld>
             <a:endParaRPr lang="en-US" dirty="0"/>
           </a:p>
@@ -5716,7 +6743,7 @@
           <a:p>
             <a:fld id="{4509A250-FF31-4206-8172-F9D3106AACB1}" type="datetimeFigureOut">
               <a:rPr lang="en-US" dirty="0"/>
-              <a:t>1/9/2020</a:t>
+              <a:t>1/13/2020</a:t>
             </a:fld>
             <a:endParaRPr lang="en-US" dirty="0"/>
           </a:p>
@@ -5986,7 +7013,7 @@
           <a:p>
             <a:fld id="{4509A250-FF31-4206-8172-F9D3106AACB1}" type="datetimeFigureOut">
               <a:rPr lang="en-US" dirty="0"/>
-              <a:t>1/9/2020</a:t>
+              <a:t>1/13/2020</a:t>
             </a:fld>
             <a:endParaRPr lang="en-US" dirty="0"/>
           </a:p>
@@ -6410,7 +7437,7 @@
           <a:p>
             <a:fld id="{4AAD347D-5ACD-4C99-B74B-A9C85AD731AF}" type="datetimeFigureOut">
               <a:rPr lang="en-US" dirty="0"/>
-              <a:t>1/9/2020</a:t>
+              <a:t>1/13/2020</a:t>
             </a:fld>
             <a:endParaRPr lang="en-US" dirty="0"/>
           </a:p>
@@ -8306,6 +9333,30 @@
 <file path=ppt/slides/slide10.xml><?xml version="1.0" encoding="utf-8"?>
 <p:sld xmlns:a="http://schemas.openxmlformats.org/drawingml/2006/main" xmlns:r="http://schemas.openxmlformats.org/officeDocument/2006/relationships" xmlns:p="http://schemas.openxmlformats.org/presentationml/2006/main">
   <p:cSld>
+    <p:bg>
+      <p:bgPr>
+        <a:blipFill rotWithShape="1">
+          <a:blip r:embed="rId2">
+            <a:duotone>
+              <a:schemeClr val="bg2">
+                <a:shade val="69000"/>
+                <a:hueMod val="108000"/>
+                <a:satMod val="164000"/>
+                <a:lumMod val="74000"/>
+              </a:schemeClr>
+              <a:schemeClr val="bg2">
+                <a:tint val="96000"/>
+                <a:hueMod val="88000"/>
+                <a:satMod val="140000"/>
+                <a:lumMod val="132000"/>
+              </a:schemeClr>
+            </a:duotone>
+          </a:blip>
+          <a:stretch/>
+        </a:blipFill>
+        <a:effectLst/>
+      </p:bgPr>
+    </p:bg>
     <p:spTree>
       <p:nvGrpSpPr>
         <p:cNvPr id="1" name=""/>
@@ -8320,12 +9371,75 @@
           <a:chExt cx="0" cy="0"/>
         </a:xfrm>
       </p:grpSpPr>
+      <p:sp>
+        <p:nvSpPr>
+          <p:cNvPr id="15" name="Rectangle 14">
+            <a:extLst>
+              <a:ext uri="{FF2B5EF4-FFF2-40B4-BE49-F238E27FC236}">
+                <a16:creationId xmlns:a16="http://schemas.microsoft.com/office/drawing/2014/main" id="{DFB3CEA1-88D9-42FB-88ED-1E9807FE6596}"/>
+              </a:ext>
+              <a:ext uri="{C183D7F6-B498-43B3-948B-1728B52AA6E4}">
+                <adec:decorative xmlns:adec="http://schemas.microsoft.com/office/drawing/2017/decorative" val="1"/>
+              </a:ext>
+            </a:extLst>
+          </p:cNvPr>
+          <p:cNvSpPr>
+            <a:spLocks noGrp="1" noRot="1" noChangeAspect="1" noMove="1" noResize="1" noEditPoints="1" noAdjustHandles="1" noChangeArrowheads="1" noChangeShapeType="1" noTextEdit="1"/>
+          </p:cNvSpPr>
+          <p:nvPr>
+            <p:extLst>
+              <p:ext uri="{386F3935-93C4-4BCD-93E2-E3B085C9AB24}">
+                <p16:designElem xmlns:p16="http://schemas.microsoft.com/office/powerpoint/2015/main" val="1"/>
+              </p:ext>
+            </p:extLst>
+          </p:nvPr>
+        </p:nvSpPr>
+        <p:spPr>
+          <a:xfrm>
+            <a:off x="477012" y="480060"/>
+            <a:ext cx="11237976" cy="5897880"/>
+          </a:xfrm>
+          <a:prstGeom prst="rect">
+            <a:avLst/>
+          </a:prstGeom>
+          <a:solidFill>
+            <a:srgbClr val="FFFFFF"/>
+          </a:solidFill>
+          <a:ln>
+            <a:noFill/>
+          </a:ln>
+        </p:spPr>
+        <p:style>
+          <a:lnRef idx="2">
+            <a:schemeClr val="accent1">
+              <a:shade val="50000"/>
+            </a:schemeClr>
+          </a:lnRef>
+          <a:fillRef idx="1">
+            <a:schemeClr val="accent1"/>
+          </a:fillRef>
+          <a:effectRef idx="0">
+            <a:schemeClr val="accent1"/>
+          </a:effectRef>
+          <a:fontRef idx="minor">
+            <a:schemeClr val="lt1"/>
+          </a:fontRef>
+        </p:style>
+        <p:txBody>
+          <a:bodyPr rtlCol="0" anchor="ctr"/>
+          <a:lstStyle/>
+          <a:p>
+            <a:pPr algn="ctr"/>
+            <a:endParaRPr lang="en-US" dirty="0"/>
+          </a:p>
+        </p:txBody>
+      </p:sp>
       <p:pic>
         <p:nvPicPr>
-          <p:cNvPr id="3" name="Immagine 2">
+          <p:cNvPr id="10" name="Immagine 9">
             <a:extLst>
               <a:ext uri="{FF2B5EF4-FFF2-40B4-BE49-F238E27FC236}">
-                <a16:creationId xmlns:a16="http://schemas.microsoft.com/office/drawing/2014/main" id="{88A87ACB-6315-4AD1-8A0A-04F2429A74A8}"/>
+                <a16:creationId xmlns:a16="http://schemas.microsoft.com/office/drawing/2014/main" id="{FD74F0E6-7D39-4F87-93BF-F360F07E2849}"/>
               </a:ext>
             </a:extLst>
           </p:cNvPr>
@@ -8335,25 +9449,78 @@
           <p:nvPr/>
         </p:nvPicPr>
         <p:blipFill>
-          <a:blip r:embed="rId2"/>
+          <a:blip r:embed="rId3"/>
           <a:stretch>
             <a:fillRect/>
           </a:stretch>
         </p:blipFill>
         <p:spPr>
           <a:xfrm>
-            <a:off x="636774" y="1717209"/>
-            <a:ext cx="10918452" cy="3423582"/>
+            <a:off x="643467" y="1984079"/>
+            <a:ext cx="10905066" cy="2889842"/>
           </a:xfrm>
           <a:prstGeom prst="rect">
             <a:avLst/>
           </a:prstGeom>
         </p:spPr>
       </p:pic>
+      <p:sp>
+        <p:nvSpPr>
+          <p:cNvPr id="17" name="Rectangle 16">
+            <a:extLst>
+              <a:ext uri="{FF2B5EF4-FFF2-40B4-BE49-F238E27FC236}">
+                <a16:creationId xmlns:a16="http://schemas.microsoft.com/office/drawing/2014/main" id="{9A6C928E-4252-4F33-8C34-E50A12A3170B}"/>
+              </a:ext>
+              <a:ext uri="{C183D7F6-B498-43B3-948B-1728B52AA6E4}">
+                <adec:decorative xmlns:adec="http://schemas.microsoft.com/office/drawing/2017/decorative" val="1"/>
+              </a:ext>
+            </a:extLst>
+          </p:cNvPr>
+          <p:cNvSpPr>
+            <a:spLocks noGrp="1" noRot="1" noChangeAspect="1" noMove="1" noResize="1" noEditPoints="1" noAdjustHandles="1" noChangeArrowheads="1" noChangeShapeType="1" noTextEdit="1"/>
+          </p:cNvSpPr>
+          <p:nvPr>
+            <p:extLst>
+              <p:ext uri="{386F3935-93C4-4BCD-93E2-E3B085C9AB24}">
+                <p16:designElem xmlns:p16="http://schemas.microsoft.com/office/powerpoint/2015/main" val="1"/>
+              </p:ext>
+            </p:extLst>
+          </p:nvPr>
+        </p:nvSpPr>
+        <p:spPr>
+          <a:xfrm>
+            <a:off x="10437812" y="0"/>
+            <a:ext cx="685800" cy="1143000"/>
+          </a:xfrm>
+          <a:prstGeom prst="rect">
+            <a:avLst/>
+          </a:prstGeom>
+          <a:solidFill>
+            <a:schemeClr val="accent1"/>
+          </a:solidFill>
+          <a:ln>
+            <a:noFill/>
+          </a:ln>
+        </p:spPr>
+        <p:style>
+          <a:lnRef idx="1">
+            <a:schemeClr val="accent1"/>
+          </a:lnRef>
+          <a:fillRef idx="3">
+            <a:schemeClr val="accent1"/>
+          </a:fillRef>
+          <a:effectRef idx="2">
+            <a:schemeClr val="accent1"/>
+          </a:effectRef>
+          <a:fontRef idx="minor">
+            <a:schemeClr val="lt1"/>
+          </a:fontRef>
+        </p:style>
+      </p:sp>
     </p:spTree>
     <p:extLst>
       <p:ext uri="{BB962C8B-B14F-4D97-AF65-F5344CB8AC3E}">
-        <p14:creationId xmlns:p14="http://schemas.microsoft.com/office/powerpoint/2010/main" val="260892973"/>
+        <p14:creationId xmlns:p14="http://schemas.microsoft.com/office/powerpoint/2010/main" val="2131536060"/>
       </p:ext>
     </p:extLst>
   </p:cSld>
@@ -8385,7 +9552,7 @@
           <p:cNvPr id="3" name="Immagine 2">
             <a:extLst>
               <a:ext uri="{FF2B5EF4-FFF2-40B4-BE49-F238E27FC236}">
-                <a16:creationId xmlns:a16="http://schemas.microsoft.com/office/drawing/2014/main" id="{1DAF4443-9696-41FF-9D84-4079CFCEFB3B}"/>
+                <a16:creationId xmlns:a16="http://schemas.microsoft.com/office/drawing/2014/main" id="{89F51578-E477-4C88-AE08-AEE0D4EC7D98}"/>
               </a:ext>
             </a:extLst>
           </p:cNvPr>
@@ -8402,8 +9569,8 @@
         </p:blipFill>
         <p:spPr>
           <a:xfrm>
-            <a:off x="845533" y="2250458"/>
-            <a:ext cx="10500934" cy="2357083"/>
+            <a:off x="763787" y="1924884"/>
+            <a:ext cx="10664425" cy="3008232"/>
           </a:xfrm>
           <a:prstGeom prst="rect">
             <a:avLst/>
@@ -8413,7 +9580,7 @@
     </p:spTree>
     <p:extLst>
       <p:ext uri="{BB962C8B-B14F-4D97-AF65-F5344CB8AC3E}">
-        <p14:creationId xmlns:p14="http://schemas.microsoft.com/office/powerpoint/2010/main" val="515914171"/>
+        <p14:creationId xmlns:p14="http://schemas.microsoft.com/office/powerpoint/2010/main" val="2766217112"/>
       </p:ext>
     </p:extLst>
   </p:cSld>
@@ -8726,6 +9893,272 @@
 <file path=ppt/slides/slide17.xml><?xml version="1.0" encoding="utf-8"?>
 <p:sld xmlns:a="http://schemas.openxmlformats.org/drawingml/2006/main" xmlns:r="http://schemas.openxmlformats.org/officeDocument/2006/relationships" xmlns:p="http://schemas.openxmlformats.org/presentationml/2006/main">
   <p:cSld>
+    <p:spTree>
+      <p:nvGrpSpPr>
+        <p:cNvPr id="1" name=""/>
+        <p:cNvGrpSpPr/>
+        <p:nvPr/>
+      </p:nvGrpSpPr>
+      <p:grpSpPr>
+        <a:xfrm>
+          <a:off x="0" y="0"/>
+          <a:ext cx="0" cy="0"/>
+          <a:chOff x="0" y="0"/>
+          <a:chExt cx="0" cy="0"/>
+        </a:xfrm>
+      </p:grpSpPr>
+      <p:pic>
+        <p:nvPicPr>
+          <p:cNvPr id="3" name="Immagine 2">
+            <a:extLst>
+              <a:ext uri="{FF2B5EF4-FFF2-40B4-BE49-F238E27FC236}">
+                <a16:creationId xmlns:a16="http://schemas.microsoft.com/office/drawing/2014/main" id="{1F3F0C4D-39A3-49BE-BE9B-6519C484A927}"/>
+              </a:ext>
+            </a:extLst>
+          </p:cNvPr>
+          <p:cNvPicPr>
+            <a:picLocks noChangeAspect="1"/>
+          </p:cNvPicPr>
+          <p:nvPr/>
+        </p:nvPicPr>
+        <p:blipFill>
+          <a:blip r:embed="rId2"/>
+          <a:srcRect/>
+          <a:stretch/>
+        </p:blipFill>
+        <p:spPr>
+          <a:xfrm>
+            <a:off x="-14779" y="2538716"/>
+            <a:ext cx="12221557" cy="1977119"/>
+          </a:xfrm>
+          <a:prstGeom prst="rect">
+            <a:avLst/>
+          </a:prstGeom>
+        </p:spPr>
+      </p:pic>
+    </p:spTree>
+    <p:extLst>
+      <p:ext uri="{BB962C8B-B14F-4D97-AF65-F5344CB8AC3E}">
+        <p14:creationId xmlns:p14="http://schemas.microsoft.com/office/powerpoint/2010/main" val="3868573162"/>
+      </p:ext>
+    </p:extLst>
+  </p:cSld>
+  <p:clrMapOvr>
+    <a:masterClrMapping/>
+  </p:clrMapOvr>
+</p:sld>
+</file>
+
+<file path=ppt/slides/slide18.xml><?xml version="1.0" encoding="utf-8"?>
+<p:sld xmlns:a="http://schemas.openxmlformats.org/drawingml/2006/main" xmlns:r="http://schemas.openxmlformats.org/officeDocument/2006/relationships" xmlns:p="http://schemas.openxmlformats.org/presentationml/2006/main">
+  <p:cSld>
+    <p:spTree>
+      <p:nvGrpSpPr>
+        <p:cNvPr id="1" name=""/>
+        <p:cNvGrpSpPr/>
+        <p:nvPr/>
+      </p:nvGrpSpPr>
+      <p:grpSpPr>
+        <a:xfrm>
+          <a:off x="0" y="0"/>
+          <a:ext cx="0" cy="0"/>
+          <a:chOff x="0" y="0"/>
+          <a:chExt cx="0" cy="0"/>
+        </a:xfrm>
+      </p:grpSpPr>
+      <p:pic>
+        <p:nvPicPr>
+          <p:cNvPr id="3" name="Immagine 2">
+            <a:extLst>
+              <a:ext uri="{FF2B5EF4-FFF2-40B4-BE49-F238E27FC236}">
+                <a16:creationId xmlns:a16="http://schemas.microsoft.com/office/drawing/2014/main" id="{1F3F0C4D-39A3-49BE-BE9B-6519C484A927}"/>
+              </a:ext>
+            </a:extLst>
+          </p:cNvPr>
+          <p:cNvPicPr>
+            <a:picLocks noChangeAspect="1"/>
+          </p:cNvPicPr>
+          <p:nvPr/>
+        </p:nvPicPr>
+        <p:blipFill>
+          <a:blip r:embed="rId2"/>
+          <a:srcRect/>
+          <a:stretch/>
+        </p:blipFill>
+        <p:spPr>
+          <a:xfrm>
+            <a:off x="-11113" y="2205697"/>
+            <a:ext cx="12203113" cy="2712586"/>
+          </a:xfrm>
+          <a:prstGeom prst="rect">
+            <a:avLst/>
+          </a:prstGeom>
+        </p:spPr>
+      </p:pic>
+    </p:spTree>
+    <p:extLst>
+      <p:ext uri="{BB962C8B-B14F-4D97-AF65-F5344CB8AC3E}">
+        <p14:creationId xmlns:p14="http://schemas.microsoft.com/office/powerpoint/2010/main" val="2257859871"/>
+      </p:ext>
+    </p:extLst>
+  </p:cSld>
+  <p:clrMapOvr>
+    <a:masterClrMapping/>
+  </p:clrMapOvr>
+</p:sld>
+</file>
+
+<file path=ppt/slides/slide19.xml><?xml version="1.0" encoding="utf-8"?>
+<p:sld xmlns:a="http://schemas.openxmlformats.org/drawingml/2006/main" xmlns:r="http://schemas.openxmlformats.org/officeDocument/2006/relationships" xmlns:p="http://schemas.openxmlformats.org/presentationml/2006/main">
+  <p:cSld>
+    <p:spTree>
+      <p:nvGrpSpPr>
+        <p:cNvPr id="1" name=""/>
+        <p:cNvGrpSpPr/>
+        <p:nvPr/>
+      </p:nvGrpSpPr>
+      <p:grpSpPr>
+        <a:xfrm>
+          <a:off x="0" y="0"/>
+          <a:ext cx="0" cy="0"/>
+          <a:chOff x="0" y="0"/>
+          <a:chExt cx="0" cy="0"/>
+        </a:xfrm>
+      </p:grpSpPr>
+      <p:pic>
+        <p:nvPicPr>
+          <p:cNvPr id="3" name="Immagine 2">
+            <a:extLst>
+              <a:ext uri="{FF2B5EF4-FFF2-40B4-BE49-F238E27FC236}">
+                <a16:creationId xmlns:a16="http://schemas.microsoft.com/office/drawing/2014/main" id="{1F3F0C4D-39A3-49BE-BE9B-6519C484A927}"/>
+              </a:ext>
+            </a:extLst>
+          </p:cNvPr>
+          <p:cNvPicPr>
+            <a:picLocks noChangeAspect="1"/>
+          </p:cNvPicPr>
+          <p:nvPr/>
+        </p:nvPicPr>
+        <p:blipFill>
+          <a:blip r:embed="rId2"/>
+          <a:srcRect/>
+          <a:stretch/>
+        </p:blipFill>
+        <p:spPr>
+          <a:xfrm>
+            <a:off x="592722" y="2396526"/>
+            <a:ext cx="11006556" cy="2064947"/>
+          </a:xfrm>
+          <a:prstGeom prst="rect">
+            <a:avLst/>
+          </a:prstGeom>
+        </p:spPr>
+      </p:pic>
+    </p:spTree>
+    <p:extLst>
+      <p:ext uri="{BB962C8B-B14F-4D97-AF65-F5344CB8AC3E}">
+        <p14:creationId xmlns:p14="http://schemas.microsoft.com/office/powerpoint/2010/main" val="1597234428"/>
+      </p:ext>
+    </p:extLst>
+  </p:cSld>
+  <p:clrMapOvr>
+    <a:masterClrMapping/>
+  </p:clrMapOvr>
+</p:sld>
+</file>
+
+<file path=ppt/slides/slide2.xml><?xml version="1.0" encoding="utf-8"?>
+<p:sld xmlns:a="http://schemas.openxmlformats.org/drawingml/2006/main" xmlns:r="http://schemas.openxmlformats.org/officeDocument/2006/relationships" xmlns:p="http://schemas.openxmlformats.org/presentationml/2006/main">
+  <p:cSld>
+    <p:spTree>
+      <p:nvGrpSpPr>
+        <p:cNvPr id="1" name=""/>
+        <p:cNvGrpSpPr/>
+        <p:nvPr/>
+      </p:nvGrpSpPr>
+      <p:grpSpPr>
+        <a:xfrm>
+          <a:off x="0" y="0"/>
+          <a:ext cx="0" cy="0"/>
+          <a:chOff x="0" y="0"/>
+          <a:chExt cx="0" cy="0"/>
+        </a:xfrm>
+      </p:grpSpPr>
+      <p:sp>
+        <p:nvSpPr>
+          <p:cNvPr id="2" name="Titolo 1">
+            <a:extLst>
+              <a:ext uri="{FF2B5EF4-FFF2-40B4-BE49-F238E27FC236}">
+                <a16:creationId xmlns:a16="http://schemas.microsoft.com/office/drawing/2014/main" id="{7ED690D3-0688-44D4-82A8-ACA6F6B4A0AC}"/>
+              </a:ext>
+            </a:extLst>
+          </p:cNvPr>
+          <p:cNvSpPr>
+            <a:spLocks noGrp="1"/>
+          </p:cNvSpPr>
+          <p:nvPr>
+            <p:ph type="title"/>
+          </p:nvPr>
+        </p:nvSpPr>
+        <p:spPr/>
+        <p:txBody>
+          <a:bodyPr/>
+          <a:lstStyle/>
+          <a:p>
+            <a:r>
+              <a:rPr lang="it-IT" dirty="0"/>
+              <a:t>Sprint 17/12/19 – 14/12/19</a:t>
+            </a:r>
+          </a:p>
+        </p:txBody>
+      </p:sp>
+      <p:graphicFrame>
+        <p:nvGraphicFramePr>
+          <p:cNvPr id="6" name="Segnaposto contenuto 5">
+            <a:extLst>
+              <a:ext uri="{FF2B5EF4-FFF2-40B4-BE49-F238E27FC236}">
+                <a16:creationId xmlns:a16="http://schemas.microsoft.com/office/drawing/2014/main" id="{5740335F-D312-4211-ADA2-5B337B81C6B4}"/>
+              </a:ext>
+            </a:extLst>
+          </p:cNvPr>
+          <p:cNvGraphicFramePr>
+            <a:graphicFrameLocks noGrp="1"/>
+          </p:cNvGraphicFramePr>
+          <p:nvPr>
+            <p:ph idx="1"/>
+            <p:extLst>
+              <p:ext uri="{D42A27DB-BD31-4B8C-83A1-F6EECF244321}">
+                <p14:modId xmlns:p14="http://schemas.microsoft.com/office/powerpoint/2010/main" val="1610127498"/>
+              </p:ext>
+            </p:extLst>
+          </p:nvPr>
+        </p:nvGraphicFramePr>
+        <p:xfrm>
+          <a:off x="1103313" y="1702191"/>
+          <a:ext cx="9264576" cy="4546209"/>
+        </p:xfrm>
+        <a:graphic>
+          <a:graphicData uri="http://schemas.openxmlformats.org/drawingml/2006/chart">
+            <c:chart xmlns:c="http://schemas.openxmlformats.org/drawingml/2006/chart" xmlns:r="http://schemas.openxmlformats.org/officeDocument/2006/relationships" r:id="rId2"/>
+          </a:graphicData>
+        </a:graphic>
+      </p:graphicFrame>
+    </p:spTree>
+    <p:extLst>
+      <p:ext uri="{BB962C8B-B14F-4D97-AF65-F5344CB8AC3E}">
+        <p14:creationId xmlns:p14="http://schemas.microsoft.com/office/powerpoint/2010/main" val="1339738920"/>
+      </p:ext>
+    </p:extLst>
+  </p:cSld>
+  <p:clrMapOvr>
+    <a:masterClrMapping/>
+  </p:clrMapOvr>
+</p:sld>
+</file>
+
+<file path=ppt/slides/slide20.xml><?xml version="1.0" encoding="utf-8"?>
+<p:sld xmlns:a="http://schemas.openxmlformats.org/drawingml/2006/main" xmlns:r="http://schemas.openxmlformats.org/officeDocument/2006/relationships" xmlns:p="http://schemas.openxmlformats.org/presentationml/2006/main">
+  <p:cSld>
     <p:bg>
       <p:bgPr>
         <a:pattFill prst="pct80">
@@ -9767,35 +11200,37 @@
           </a:ln>
         </p:spPr>
       </p:sp>
-      <p:pic>
-        <p:nvPicPr>
-          <p:cNvPr id="5" name="Segnaposto contenuto 4">
+      <p:graphicFrame>
+        <p:nvGraphicFramePr>
+          <p:cNvPr id="14" name="Segnaposto contenuto 13">
             <a:extLst>
               <a:ext uri="{FF2B5EF4-FFF2-40B4-BE49-F238E27FC236}">
-                <a16:creationId xmlns:a16="http://schemas.microsoft.com/office/drawing/2014/main" id="{355A1969-9ED1-4796-B109-A682F354B939}"/>
+                <a16:creationId xmlns:a16="http://schemas.microsoft.com/office/drawing/2014/main" id="{090C9CA1-BCD1-45CB-9900-724B75A5D234}"/>
               </a:ext>
             </a:extLst>
           </p:cNvPr>
-          <p:cNvPicPr>
-            <a:picLocks noGrp="1" noChangeAspect="1"/>
-          </p:cNvPicPr>
+          <p:cNvGraphicFramePr>
+            <a:graphicFrameLocks noGrp="1" noChangeAspect="1"/>
+          </p:cNvGraphicFramePr>
           <p:nvPr>
             <p:ph idx="1"/>
-          </p:nvPr>
-        </p:nvPicPr>
-        <p:blipFill>
-          <a:blip r:embed="rId2"/>
-          <a:stretch>
-            <a:fillRect/>
-          </a:stretch>
-        </p:blipFill>
-        <p:spPr>
-          <a:xfrm>
-            <a:off x="1073426" y="2402308"/>
-            <a:ext cx="9364386" cy="4134427"/>
-          </a:xfrm>
-        </p:spPr>
-      </p:pic>
+            <p:extLst>
+              <p:ext uri="{D42A27DB-BD31-4B8C-83A1-F6EECF244321}">
+                <p14:modId xmlns:p14="http://schemas.microsoft.com/office/powerpoint/2010/main" val="3151219159"/>
+              </p:ext>
+            </p:extLst>
+          </p:nvPr>
+        </p:nvGraphicFramePr>
+        <p:xfrm>
+          <a:off x="1833562" y="2286162"/>
+          <a:ext cx="8947150" cy="4195762"/>
+        </p:xfrm>
+        <a:graphic>
+          <a:graphicData uri="http://schemas.openxmlformats.org/drawingml/2006/chart">
+            <c:chart xmlns:c="http://schemas.openxmlformats.org/drawingml/2006/chart" xmlns:r="http://schemas.openxmlformats.org/officeDocument/2006/relationships" r:id="rId2"/>
+          </a:graphicData>
+        </a:graphic>
+      </p:graphicFrame>
     </p:spTree>
     <p:extLst>
       <p:ext uri="{BB962C8B-B14F-4D97-AF65-F5344CB8AC3E}">
@@ -9809,7 +11244,7 @@
 </p:sld>
 </file>
 
-<file path=ppt/slides/slide18.xml><?xml version="1.0" encoding="utf-8"?>
+<file path=ppt/slides/slide21.xml><?xml version="1.0" encoding="utf-8"?>
 <p:sld xmlns:a="http://schemas.openxmlformats.org/drawingml/2006/main" xmlns:r="http://schemas.openxmlformats.org/officeDocument/2006/relationships" xmlns:p="http://schemas.openxmlformats.org/presentationml/2006/main">
   <p:cSld>
     <p:spTree>
@@ -9935,7 +11370,7 @@
 </p:sld>
 </file>
 
-<file path=ppt/slides/slide19.xml><?xml version="1.0" encoding="utf-8"?>
+<file path=ppt/slides/slide22.xml><?xml version="1.0" encoding="utf-8"?>
 <p:sld xmlns:a="http://schemas.openxmlformats.org/drawingml/2006/main" xmlns:r="http://schemas.openxmlformats.org/officeDocument/2006/relationships" xmlns:p="http://schemas.openxmlformats.org/presentationml/2006/main">
   <p:cSld>
     <p:spTree>
@@ -9994,95 +11429,6 @@
     <p:extLst>
       <p:ext uri="{BB962C8B-B14F-4D97-AF65-F5344CB8AC3E}">
         <p14:creationId xmlns:p14="http://schemas.microsoft.com/office/powerpoint/2010/main" val="677948115"/>
-      </p:ext>
-    </p:extLst>
-  </p:cSld>
-  <p:clrMapOvr>
-    <a:masterClrMapping/>
-  </p:clrMapOvr>
-</p:sld>
-</file>
-
-<file path=ppt/slides/slide2.xml><?xml version="1.0" encoding="utf-8"?>
-<p:sld xmlns:a="http://schemas.openxmlformats.org/drawingml/2006/main" xmlns:r="http://schemas.openxmlformats.org/officeDocument/2006/relationships" xmlns:p="http://schemas.openxmlformats.org/presentationml/2006/main">
-  <p:cSld>
-    <p:spTree>
-      <p:nvGrpSpPr>
-        <p:cNvPr id="1" name=""/>
-        <p:cNvGrpSpPr/>
-        <p:nvPr/>
-      </p:nvGrpSpPr>
-      <p:grpSpPr>
-        <a:xfrm>
-          <a:off x="0" y="0"/>
-          <a:ext cx="0" cy="0"/>
-          <a:chOff x="0" y="0"/>
-          <a:chExt cx="0" cy="0"/>
-        </a:xfrm>
-      </p:grpSpPr>
-      <p:sp>
-        <p:nvSpPr>
-          <p:cNvPr id="2" name="Titolo 1">
-            <a:extLst>
-              <a:ext uri="{FF2B5EF4-FFF2-40B4-BE49-F238E27FC236}">
-                <a16:creationId xmlns:a16="http://schemas.microsoft.com/office/drawing/2014/main" id="{7ED690D3-0688-44D4-82A8-ACA6F6B4A0AC}"/>
-              </a:ext>
-            </a:extLst>
-          </p:cNvPr>
-          <p:cNvSpPr>
-            <a:spLocks noGrp="1"/>
-          </p:cNvSpPr>
-          <p:nvPr>
-            <p:ph type="title"/>
-          </p:nvPr>
-        </p:nvSpPr>
-        <p:spPr/>
-        <p:txBody>
-          <a:bodyPr/>
-          <a:lstStyle/>
-          <a:p>
-            <a:r>
-              <a:rPr lang="it-IT" dirty="0"/>
-              <a:t>Sprint 17/12/19 – 14/12/19</a:t>
-            </a:r>
-          </a:p>
-        </p:txBody>
-      </p:sp>
-      <p:graphicFrame>
-        <p:nvGraphicFramePr>
-          <p:cNvPr id="6" name="Segnaposto contenuto 5">
-            <a:extLst>
-              <a:ext uri="{FF2B5EF4-FFF2-40B4-BE49-F238E27FC236}">
-                <a16:creationId xmlns:a16="http://schemas.microsoft.com/office/drawing/2014/main" id="{5740335F-D312-4211-ADA2-5B337B81C6B4}"/>
-              </a:ext>
-            </a:extLst>
-          </p:cNvPr>
-          <p:cNvGraphicFramePr>
-            <a:graphicFrameLocks noGrp="1"/>
-          </p:cNvGraphicFramePr>
-          <p:nvPr>
-            <p:ph idx="1"/>
-            <p:extLst>
-              <p:ext uri="{D42A27DB-BD31-4B8C-83A1-F6EECF244321}">
-                <p14:modId xmlns:p14="http://schemas.microsoft.com/office/powerpoint/2010/main" val="775742154"/>
-              </p:ext>
-            </p:extLst>
-          </p:nvPr>
-        </p:nvGraphicFramePr>
-        <p:xfrm>
-          <a:off x="1103313" y="1702191"/>
-          <a:ext cx="9264576" cy="4546209"/>
-        </p:xfrm>
-        <a:graphic>
-          <a:graphicData uri="http://schemas.openxmlformats.org/drawingml/2006/chart">
-            <c:chart xmlns:c="http://schemas.openxmlformats.org/drawingml/2006/chart" xmlns:r="http://schemas.openxmlformats.org/officeDocument/2006/relationships" r:id="rId2"/>
-          </a:graphicData>
-        </a:graphic>
-      </p:graphicFrame>
-    </p:spTree>
-    <p:extLst>
-      <p:ext uri="{BB962C8B-B14F-4D97-AF65-F5344CB8AC3E}">
-        <p14:creationId xmlns:p14="http://schemas.microsoft.com/office/powerpoint/2010/main" val="1339738920"/>
       </p:ext>
     </p:extLst>
   </p:cSld>
@@ -10252,7 +11598,7 @@
             </a:pPr>
             <a:r>
               <a:rPr lang="it-IT" sz="3700" dirty="0"/>
-              <a:t>4 - </a:t>
+              <a:t>5 - </a:t>
             </a:r>
             <a:r>
               <a:rPr lang="it-IT" sz="3700" dirty="0" err="1">
@@ -10296,7 +11642,7 @@
             </a:pPr>
             <a:r>
               <a:rPr lang="it-IT" sz="3700" dirty="0"/>
-              <a:t>7 - </a:t>
+              <a:t>9 - </a:t>
             </a:r>
             <a:r>
               <a:rPr lang="it-IT" sz="3700" dirty="0" err="1">
@@ -10348,7 +11694,6 @@
                 <a:lumMod val="132000"/>
               </a:schemeClr>
             </a:duotone>
-            <a:extLst/>
           </a:blip>
           <a:stretch/>
         </a:blipFill>
@@ -10371,7 +11716,7 @@
       </p:grpSpPr>
       <p:sp>
         <p:nvSpPr>
-          <p:cNvPr id="15" name="Rectangle 14">
+          <p:cNvPr id="8" name="Rectangle 7">
             <a:extLst>
               <a:ext uri="{FF2B5EF4-FFF2-40B4-BE49-F238E27FC236}">
                 <a16:creationId xmlns:a16="http://schemas.microsoft.com/office/drawing/2014/main" id="{DFB3CEA1-88D9-42FB-88ED-1E9807FE6596}"/>
@@ -10434,10 +11779,10 @@
       </p:sp>
       <p:pic>
         <p:nvPicPr>
-          <p:cNvPr id="10" name="Immagine 9">
+          <p:cNvPr id="3" name="Immagine 2">
             <a:extLst>
               <a:ext uri="{FF2B5EF4-FFF2-40B4-BE49-F238E27FC236}">
-                <a16:creationId xmlns:a16="http://schemas.microsoft.com/office/drawing/2014/main" id="{FD74F0E6-7D39-4F87-93BF-F360F07E2849}"/>
+                <a16:creationId xmlns:a16="http://schemas.microsoft.com/office/drawing/2014/main" id="{2AEB0895-4FBC-48B2-84CF-DFE12C5C6F5A}"/>
               </a:ext>
             </a:extLst>
           </p:cNvPr>
@@ -10454,8 +11799,8 @@
         </p:blipFill>
         <p:spPr>
           <a:xfrm>
-            <a:off x="643467" y="1984079"/>
-            <a:ext cx="10905066" cy="2889842"/>
+            <a:off x="643467" y="1956816"/>
+            <a:ext cx="10905066" cy="2944368"/>
           </a:xfrm>
           <a:prstGeom prst="rect">
             <a:avLst/>
@@ -10464,7 +11809,7 @@
       </p:pic>
       <p:sp>
         <p:nvSpPr>
-          <p:cNvPr id="17" name="Rectangle 16">
+          <p:cNvPr id="10" name="Rectangle 9">
             <a:extLst>
               <a:ext uri="{FF2B5EF4-FFF2-40B4-BE49-F238E27FC236}">
                 <a16:creationId xmlns:a16="http://schemas.microsoft.com/office/drawing/2014/main" id="{9A6C928E-4252-4F33-8C34-E50A12A3170B}"/>
@@ -10518,7 +11863,7 @@
     </p:spTree>
     <p:extLst>
       <p:ext uri="{BB962C8B-B14F-4D97-AF65-F5344CB8AC3E}">
-        <p14:creationId xmlns:p14="http://schemas.microsoft.com/office/powerpoint/2010/main" val="2131536060"/>
+        <p14:creationId xmlns:p14="http://schemas.microsoft.com/office/powerpoint/2010/main" val="3449580714"/>
       </p:ext>
     </p:extLst>
   </p:cSld>
@@ -10549,7 +11894,6 @@
                 <a:lumMod val="132000"/>
               </a:schemeClr>
             </a:duotone>
-            <a:extLst/>
           </a:blip>
           <a:stretch/>
         </a:blipFill>
@@ -10638,7 +11982,7 @@
           <p:cNvPr id="3" name="Immagine 2">
             <a:extLst>
               <a:ext uri="{FF2B5EF4-FFF2-40B4-BE49-F238E27FC236}">
-                <a16:creationId xmlns:a16="http://schemas.microsoft.com/office/drawing/2014/main" id="{2AEB0895-4FBC-48B2-84CF-DFE12C5C6F5A}"/>
+                <a16:creationId xmlns:a16="http://schemas.microsoft.com/office/drawing/2014/main" id="{A3E59E00-A119-4E69-85C9-D826C2E26092}"/>
               </a:ext>
             </a:extLst>
           </p:cNvPr>
@@ -10655,8 +11999,8 @@
         </p:blipFill>
         <p:spPr>
           <a:xfrm>
-            <a:off x="643467" y="1956816"/>
-            <a:ext cx="10905066" cy="2944368"/>
+            <a:off x="643467" y="1261239"/>
+            <a:ext cx="10905066" cy="4362026"/>
           </a:xfrm>
           <a:prstGeom prst="rect">
             <a:avLst/>
@@ -10719,7 +12063,7 @@
     </p:spTree>
     <p:extLst>
       <p:ext uri="{BB962C8B-B14F-4D97-AF65-F5344CB8AC3E}">
-        <p14:creationId xmlns:p14="http://schemas.microsoft.com/office/powerpoint/2010/main" val="3449580714"/>
+        <p14:creationId xmlns:p14="http://schemas.microsoft.com/office/powerpoint/2010/main" val="3457238236"/>
       </p:ext>
     </p:extLst>
   </p:cSld>
@@ -10732,31 +12076,6 @@
 <file path=ppt/slides/slide6.xml><?xml version="1.0" encoding="utf-8"?>
 <p:sld xmlns:a="http://schemas.openxmlformats.org/drawingml/2006/main" xmlns:r="http://schemas.openxmlformats.org/officeDocument/2006/relationships" xmlns:p="http://schemas.openxmlformats.org/presentationml/2006/main">
   <p:cSld>
-    <p:bg>
-      <p:bgPr>
-        <a:blipFill rotWithShape="1">
-          <a:blip r:embed="rId2">
-            <a:duotone>
-              <a:schemeClr val="bg2">
-                <a:shade val="69000"/>
-                <a:hueMod val="108000"/>
-                <a:satMod val="164000"/>
-                <a:lumMod val="74000"/>
-              </a:schemeClr>
-              <a:schemeClr val="bg2">
-                <a:tint val="96000"/>
-                <a:hueMod val="88000"/>
-                <a:satMod val="140000"/>
-                <a:lumMod val="132000"/>
-              </a:schemeClr>
-            </a:duotone>
-            <a:extLst/>
-          </a:blip>
-          <a:stretch/>
-        </a:blipFill>
-        <a:effectLst/>
-      </p:bgPr>
-    </p:bg>
     <p:spTree>
       <p:nvGrpSpPr>
         <p:cNvPr id="1" name=""/>
@@ -10771,75 +12090,12 @@
           <a:chExt cx="0" cy="0"/>
         </a:xfrm>
       </p:grpSpPr>
-      <p:sp>
-        <p:nvSpPr>
-          <p:cNvPr id="8" name="Rectangle 7">
-            <a:extLst>
-              <a:ext uri="{FF2B5EF4-FFF2-40B4-BE49-F238E27FC236}">
-                <a16:creationId xmlns:a16="http://schemas.microsoft.com/office/drawing/2014/main" id="{DFB3CEA1-88D9-42FB-88ED-1E9807FE6596}"/>
-              </a:ext>
-              <a:ext uri="{C183D7F6-B498-43B3-948B-1728B52AA6E4}">
-                <adec:decorative xmlns:adec="http://schemas.microsoft.com/office/drawing/2017/decorative" val="1"/>
-              </a:ext>
-            </a:extLst>
-          </p:cNvPr>
-          <p:cNvSpPr>
-            <a:spLocks noGrp="1" noRot="1" noChangeAspect="1" noMove="1" noResize="1" noEditPoints="1" noAdjustHandles="1" noChangeArrowheads="1" noChangeShapeType="1" noTextEdit="1"/>
-          </p:cNvSpPr>
-          <p:nvPr>
-            <p:extLst>
-              <p:ext uri="{386F3935-93C4-4BCD-93E2-E3B085C9AB24}">
-                <p16:designElem xmlns:p16="http://schemas.microsoft.com/office/powerpoint/2015/main" val="1"/>
-              </p:ext>
-            </p:extLst>
-          </p:nvPr>
-        </p:nvSpPr>
-        <p:spPr>
-          <a:xfrm>
-            <a:off x="477012" y="480060"/>
-            <a:ext cx="11237976" cy="5897880"/>
-          </a:xfrm>
-          <a:prstGeom prst="rect">
-            <a:avLst/>
-          </a:prstGeom>
-          <a:solidFill>
-            <a:srgbClr val="FFFFFF"/>
-          </a:solidFill>
-          <a:ln>
-            <a:noFill/>
-          </a:ln>
-        </p:spPr>
-        <p:style>
-          <a:lnRef idx="2">
-            <a:schemeClr val="accent1">
-              <a:shade val="50000"/>
-            </a:schemeClr>
-          </a:lnRef>
-          <a:fillRef idx="1">
-            <a:schemeClr val="accent1"/>
-          </a:fillRef>
-          <a:effectRef idx="0">
-            <a:schemeClr val="accent1"/>
-          </a:effectRef>
-          <a:fontRef idx="minor">
-            <a:schemeClr val="lt1"/>
-          </a:fontRef>
-        </p:style>
-        <p:txBody>
-          <a:bodyPr rtlCol="0" anchor="ctr"/>
-          <a:lstStyle/>
-          <a:p>
-            <a:pPr algn="ctr"/>
-            <a:endParaRPr lang="en-US" dirty="0"/>
-          </a:p>
-        </p:txBody>
-      </p:sp>
       <p:pic>
         <p:nvPicPr>
           <p:cNvPr id="3" name="Immagine 2">
             <a:extLst>
               <a:ext uri="{FF2B5EF4-FFF2-40B4-BE49-F238E27FC236}">
-                <a16:creationId xmlns:a16="http://schemas.microsoft.com/office/drawing/2014/main" id="{A3E59E00-A119-4E69-85C9-D826C2E26092}"/>
+                <a16:creationId xmlns:a16="http://schemas.microsoft.com/office/drawing/2014/main" id="{94068AFE-932E-44B6-B931-F8665224B653}"/>
               </a:ext>
             </a:extLst>
           </p:cNvPr>
@@ -10849,78 +12105,25 @@
           <p:nvPr/>
         </p:nvPicPr>
         <p:blipFill>
-          <a:blip r:embed="rId3"/>
+          <a:blip r:embed="rId2"/>
           <a:stretch>
             <a:fillRect/>
           </a:stretch>
         </p:blipFill>
         <p:spPr>
           <a:xfrm>
-            <a:off x="643467" y="1261239"/>
-            <a:ext cx="10905066" cy="4362026"/>
+            <a:off x="573319" y="1758214"/>
+            <a:ext cx="11045362" cy="3341572"/>
           </a:xfrm>
           <a:prstGeom prst="rect">
             <a:avLst/>
           </a:prstGeom>
         </p:spPr>
       </p:pic>
-      <p:sp>
-        <p:nvSpPr>
-          <p:cNvPr id="10" name="Rectangle 9">
-            <a:extLst>
-              <a:ext uri="{FF2B5EF4-FFF2-40B4-BE49-F238E27FC236}">
-                <a16:creationId xmlns:a16="http://schemas.microsoft.com/office/drawing/2014/main" id="{9A6C928E-4252-4F33-8C34-E50A12A3170B}"/>
-              </a:ext>
-              <a:ext uri="{C183D7F6-B498-43B3-948B-1728B52AA6E4}">
-                <adec:decorative xmlns:adec="http://schemas.microsoft.com/office/drawing/2017/decorative" val="1"/>
-              </a:ext>
-            </a:extLst>
-          </p:cNvPr>
-          <p:cNvSpPr>
-            <a:spLocks noGrp="1" noRot="1" noChangeAspect="1" noMove="1" noResize="1" noEditPoints="1" noAdjustHandles="1" noChangeArrowheads="1" noChangeShapeType="1" noTextEdit="1"/>
-          </p:cNvSpPr>
-          <p:nvPr>
-            <p:extLst>
-              <p:ext uri="{386F3935-93C4-4BCD-93E2-E3B085C9AB24}">
-                <p16:designElem xmlns:p16="http://schemas.microsoft.com/office/powerpoint/2015/main" val="1"/>
-              </p:ext>
-            </p:extLst>
-          </p:nvPr>
-        </p:nvSpPr>
-        <p:spPr>
-          <a:xfrm>
-            <a:off x="10437812" y="0"/>
-            <a:ext cx="685800" cy="1143000"/>
-          </a:xfrm>
-          <a:prstGeom prst="rect">
-            <a:avLst/>
-          </a:prstGeom>
-          <a:solidFill>
-            <a:schemeClr val="accent1"/>
-          </a:solidFill>
-          <a:ln>
-            <a:noFill/>
-          </a:ln>
-        </p:spPr>
-        <p:style>
-          <a:lnRef idx="1">
-            <a:schemeClr val="accent1"/>
-          </a:lnRef>
-          <a:fillRef idx="3">
-            <a:schemeClr val="accent1"/>
-          </a:fillRef>
-          <a:effectRef idx="2">
-            <a:schemeClr val="accent1"/>
-          </a:effectRef>
-          <a:fontRef idx="minor">
-            <a:schemeClr val="lt1"/>
-          </a:fontRef>
-        </p:style>
-      </p:sp>
     </p:spTree>
     <p:extLst>
       <p:ext uri="{BB962C8B-B14F-4D97-AF65-F5344CB8AC3E}">
-        <p14:creationId xmlns:p14="http://schemas.microsoft.com/office/powerpoint/2010/main" val="3457238236"/>
+        <p14:creationId xmlns:p14="http://schemas.microsoft.com/office/powerpoint/2010/main" val="69214306"/>
       </p:ext>
     </p:extLst>
   </p:cSld>
@@ -11012,7 +12215,7 @@
           <p:cNvPr id="3" name="Immagine 2">
             <a:extLst>
               <a:ext uri="{FF2B5EF4-FFF2-40B4-BE49-F238E27FC236}">
-                <a16:creationId xmlns:a16="http://schemas.microsoft.com/office/drawing/2014/main" id="{89F51578-E477-4C88-AE08-AEE0D4EC7D98}"/>
+                <a16:creationId xmlns:a16="http://schemas.microsoft.com/office/drawing/2014/main" id="{88A87ACB-6315-4AD1-8A0A-04F2429A74A8}"/>
               </a:ext>
             </a:extLst>
           </p:cNvPr>
@@ -11029,8 +12232,8 @@
         </p:blipFill>
         <p:spPr>
           <a:xfrm>
-            <a:off x="763787" y="1924884"/>
-            <a:ext cx="10664425" cy="3008232"/>
+            <a:off x="636774" y="1717209"/>
+            <a:ext cx="10918452" cy="3423582"/>
           </a:xfrm>
           <a:prstGeom prst="rect">
             <a:avLst/>
@@ -11040,7 +12243,7 @@
     </p:spTree>
     <p:extLst>
       <p:ext uri="{BB962C8B-B14F-4D97-AF65-F5344CB8AC3E}">
-        <p14:creationId xmlns:p14="http://schemas.microsoft.com/office/powerpoint/2010/main" val="2766217112"/>
+        <p14:creationId xmlns:p14="http://schemas.microsoft.com/office/powerpoint/2010/main" val="260892973"/>
       </p:ext>
     </p:extLst>
   </p:cSld>
@@ -11072,7 +12275,7 @@
           <p:cNvPr id="3" name="Immagine 2">
             <a:extLst>
               <a:ext uri="{FF2B5EF4-FFF2-40B4-BE49-F238E27FC236}">
-                <a16:creationId xmlns:a16="http://schemas.microsoft.com/office/drawing/2014/main" id="{94068AFE-932E-44B6-B931-F8665224B653}"/>
+                <a16:creationId xmlns:a16="http://schemas.microsoft.com/office/drawing/2014/main" id="{1DAF4443-9696-41FF-9D84-4079CFCEFB3B}"/>
               </a:ext>
             </a:extLst>
           </p:cNvPr>
@@ -11089,8 +12292,8 @@
         </p:blipFill>
         <p:spPr>
           <a:xfrm>
-            <a:off x="573319" y="1758214"/>
-            <a:ext cx="11045362" cy="3341572"/>
+            <a:off x="845533" y="2250458"/>
+            <a:ext cx="10500934" cy="2357083"/>
           </a:xfrm>
           <a:prstGeom prst="rect">
             <a:avLst/>
@@ -11100,7 +12303,7 @@
     </p:spTree>
     <p:extLst>
       <p:ext uri="{BB962C8B-B14F-4D97-AF65-F5344CB8AC3E}">
-        <p14:creationId xmlns:p14="http://schemas.microsoft.com/office/powerpoint/2010/main" val="69214306"/>
+        <p14:creationId xmlns:p14="http://schemas.microsoft.com/office/powerpoint/2010/main" val="515914171"/>
       </p:ext>
     </p:extLst>
   </p:cSld>

--- a/group_info/demo-group_a_14_1.pptx
+++ b/group_info/demo-group_a_14_1.pptx
@@ -8,25 +8,26 @@
     <p:sldId id="256" r:id="rId2"/>
     <p:sldId id="257" r:id="rId3"/>
     <p:sldId id="262" r:id="rId4"/>
-    <p:sldId id="271" r:id="rId5"/>
-    <p:sldId id="272" r:id="rId6"/>
-    <p:sldId id="283" r:id="rId7"/>
-    <p:sldId id="275" r:id="rId8"/>
-    <p:sldId id="276" r:id="rId9"/>
-    <p:sldId id="277" r:id="rId10"/>
-    <p:sldId id="265" r:id="rId11"/>
-    <p:sldId id="274" r:id="rId12"/>
-    <p:sldId id="278" r:id="rId13"/>
-    <p:sldId id="279" r:id="rId14"/>
-    <p:sldId id="280" r:id="rId15"/>
-    <p:sldId id="281" r:id="rId16"/>
-    <p:sldId id="282" r:id="rId17"/>
-    <p:sldId id="286" r:id="rId18"/>
-    <p:sldId id="285" r:id="rId19"/>
-    <p:sldId id="284" r:id="rId20"/>
-    <p:sldId id="258" r:id="rId21"/>
-    <p:sldId id="260" r:id="rId22"/>
-    <p:sldId id="270" r:id="rId23"/>
+    <p:sldId id="287" r:id="rId5"/>
+    <p:sldId id="271" r:id="rId6"/>
+    <p:sldId id="272" r:id="rId7"/>
+    <p:sldId id="283" r:id="rId8"/>
+    <p:sldId id="275" r:id="rId9"/>
+    <p:sldId id="276" r:id="rId10"/>
+    <p:sldId id="277" r:id="rId11"/>
+    <p:sldId id="265" r:id="rId12"/>
+    <p:sldId id="274" r:id="rId13"/>
+    <p:sldId id="278" r:id="rId14"/>
+    <p:sldId id="279" r:id="rId15"/>
+    <p:sldId id="280" r:id="rId16"/>
+    <p:sldId id="281" r:id="rId17"/>
+    <p:sldId id="282" r:id="rId18"/>
+    <p:sldId id="286" r:id="rId19"/>
+    <p:sldId id="285" r:id="rId20"/>
+    <p:sldId id="284" r:id="rId21"/>
+    <p:sldId id="258" r:id="rId22"/>
+    <p:sldId id="260" r:id="rId23"/>
+    <p:sldId id="270" r:id="rId24"/>
   </p:sldIdLst>
   <p:sldSz cx="12192000" cy="6858000"/>
   <p:notesSz cx="6858000" cy="9144000"/>
@@ -9333,6 +9334,66 @@
 <file path=ppt/slides/slide10.xml><?xml version="1.0" encoding="utf-8"?>
 <p:sld xmlns:a="http://schemas.openxmlformats.org/drawingml/2006/main" xmlns:r="http://schemas.openxmlformats.org/officeDocument/2006/relationships" xmlns:p="http://schemas.openxmlformats.org/presentationml/2006/main">
   <p:cSld>
+    <p:spTree>
+      <p:nvGrpSpPr>
+        <p:cNvPr id="1" name=""/>
+        <p:cNvGrpSpPr/>
+        <p:nvPr/>
+      </p:nvGrpSpPr>
+      <p:grpSpPr>
+        <a:xfrm>
+          <a:off x="0" y="0"/>
+          <a:ext cx="0" cy="0"/>
+          <a:chOff x="0" y="0"/>
+          <a:chExt cx="0" cy="0"/>
+        </a:xfrm>
+      </p:grpSpPr>
+      <p:pic>
+        <p:nvPicPr>
+          <p:cNvPr id="3" name="Immagine 2">
+            <a:extLst>
+              <a:ext uri="{FF2B5EF4-FFF2-40B4-BE49-F238E27FC236}">
+                <a16:creationId xmlns:a16="http://schemas.microsoft.com/office/drawing/2014/main" id="{1DAF4443-9696-41FF-9D84-4079CFCEFB3B}"/>
+              </a:ext>
+            </a:extLst>
+          </p:cNvPr>
+          <p:cNvPicPr>
+            <a:picLocks noChangeAspect="1"/>
+          </p:cNvPicPr>
+          <p:nvPr/>
+        </p:nvPicPr>
+        <p:blipFill>
+          <a:blip r:embed="rId2"/>
+          <a:stretch>
+            <a:fillRect/>
+          </a:stretch>
+        </p:blipFill>
+        <p:spPr>
+          <a:xfrm>
+            <a:off x="845533" y="2250458"/>
+            <a:ext cx="10500934" cy="2357083"/>
+          </a:xfrm>
+          <a:prstGeom prst="rect">
+            <a:avLst/>
+          </a:prstGeom>
+        </p:spPr>
+      </p:pic>
+    </p:spTree>
+    <p:extLst>
+      <p:ext uri="{BB962C8B-B14F-4D97-AF65-F5344CB8AC3E}">
+        <p14:creationId xmlns:p14="http://schemas.microsoft.com/office/powerpoint/2010/main" val="515914171"/>
+      </p:ext>
+    </p:extLst>
+  </p:cSld>
+  <p:clrMapOvr>
+    <a:masterClrMapping/>
+  </p:clrMapOvr>
+</p:sld>
+</file>
+
+<file path=ppt/slides/slide11.xml><?xml version="1.0" encoding="utf-8"?>
+<p:sld xmlns:a="http://schemas.openxmlformats.org/drawingml/2006/main" xmlns:r="http://schemas.openxmlformats.org/officeDocument/2006/relationships" xmlns:p="http://schemas.openxmlformats.org/presentationml/2006/main">
+  <p:cSld>
     <p:bg>
       <p:bgPr>
         <a:blipFill rotWithShape="1">
@@ -9530,7 +9591,7 @@
 </p:sld>
 </file>
 
-<file path=ppt/slides/slide11.xml><?xml version="1.0" encoding="utf-8"?>
+<file path=ppt/slides/slide12.xml><?xml version="1.0" encoding="utf-8"?>
 <p:sld xmlns:a="http://schemas.openxmlformats.org/drawingml/2006/main" xmlns:r="http://schemas.openxmlformats.org/officeDocument/2006/relationships" xmlns:p="http://schemas.openxmlformats.org/presentationml/2006/main">
   <p:cSld>
     <p:spTree>
@@ -9590,7 +9651,7 @@
 </p:sld>
 </file>
 
-<file path=ppt/slides/slide12.xml><?xml version="1.0" encoding="utf-8"?>
+<file path=ppt/slides/slide13.xml><?xml version="1.0" encoding="utf-8"?>
 <p:sld xmlns:a="http://schemas.openxmlformats.org/drawingml/2006/main" xmlns:r="http://schemas.openxmlformats.org/officeDocument/2006/relationships" xmlns:p="http://schemas.openxmlformats.org/presentationml/2006/main">
   <p:cSld>
     <p:spTree>
@@ -9650,7 +9711,7 @@
 </p:sld>
 </file>
 
-<file path=ppt/slides/slide13.xml><?xml version="1.0" encoding="utf-8"?>
+<file path=ppt/slides/slide14.xml><?xml version="1.0" encoding="utf-8"?>
 <p:sld xmlns:a="http://schemas.openxmlformats.org/drawingml/2006/main" xmlns:r="http://schemas.openxmlformats.org/officeDocument/2006/relationships" xmlns:p="http://schemas.openxmlformats.org/presentationml/2006/main">
   <p:cSld>
     <p:spTree>
@@ -9710,7 +9771,7 @@
 </p:sld>
 </file>
 
-<file path=ppt/slides/slide14.xml><?xml version="1.0" encoding="utf-8"?>
+<file path=ppt/slides/slide15.xml><?xml version="1.0" encoding="utf-8"?>
 <p:sld xmlns:a="http://schemas.openxmlformats.org/drawingml/2006/main" xmlns:r="http://schemas.openxmlformats.org/officeDocument/2006/relationships" xmlns:p="http://schemas.openxmlformats.org/presentationml/2006/main">
   <p:cSld>
     <p:spTree>
@@ -9770,7 +9831,7 @@
 </p:sld>
 </file>
 
-<file path=ppt/slides/slide15.xml><?xml version="1.0" encoding="utf-8"?>
+<file path=ppt/slides/slide16.xml><?xml version="1.0" encoding="utf-8"?>
 <p:sld xmlns:a="http://schemas.openxmlformats.org/drawingml/2006/main" xmlns:r="http://schemas.openxmlformats.org/officeDocument/2006/relationships" xmlns:p="http://schemas.openxmlformats.org/presentationml/2006/main">
   <p:cSld>
     <p:spTree>
@@ -9830,7 +9891,7 @@
 </p:sld>
 </file>
 
-<file path=ppt/slides/slide16.xml><?xml version="1.0" encoding="utf-8"?>
+<file path=ppt/slides/slide17.xml><?xml version="1.0" encoding="utf-8"?>
 <p:sld xmlns:a="http://schemas.openxmlformats.org/drawingml/2006/main" xmlns:r="http://schemas.openxmlformats.org/officeDocument/2006/relationships" xmlns:p="http://schemas.openxmlformats.org/presentationml/2006/main">
   <p:cSld>
     <p:spTree>
@@ -9890,7 +9951,7 @@
 </p:sld>
 </file>
 
-<file path=ppt/slides/slide17.xml><?xml version="1.0" encoding="utf-8"?>
+<file path=ppt/slides/slide18.xml><?xml version="1.0" encoding="utf-8"?>
 <p:sld xmlns:a="http://schemas.openxmlformats.org/drawingml/2006/main" xmlns:r="http://schemas.openxmlformats.org/officeDocument/2006/relationships" xmlns:p="http://schemas.openxmlformats.org/presentationml/2006/main">
   <p:cSld>
     <p:spTree>
@@ -9949,7 +10010,7 @@
 </p:sld>
 </file>
 
-<file path=ppt/slides/slide18.xml><?xml version="1.0" encoding="utf-8"?>
+<file path=ppt/slides/slide19.xml><?xml version="1.0" encoding="utf-8"?>
 <p:sld xmlns:a="http://schemas.openxmlformats.org/drawingml/2006/main" xmlns:r="http://schemas.openxmlformats.org/officeDocument/2006/relationships" xmlns:p="http://schemas.openxmlformats.org/presentationml/2006/main">
   <p:cSld>
     <p:spTree>
@@ -10008,7 +10069,96 @@
 </p:sld>
 </file>
 
-<file path=ppt/slides/slide19.xml><?xml version="1.0" encoding="utf-8"?>
+<file path=ppt/slides/slide2.xml><?xml version="1.0" encoding="utf-8"?>
+<p:sld xmlns:a="http://schemas.openxmlformats.org/drawingml/2006/main" xmlns:r="http://schemas.openxmlformats.org/officeDocument/2006/relationships" xmlns:p="http://schemas.openxmlformats.org/presentationml/2006/main">
+  <p:cSld>
+    <p:spTree>
+      <p:nvGrpSpPr>
+        <p:cNvPr id="1" name=""/>
+        <p:cNvGrpSpPr/>
+        <p:nvPr/>
+      </p:nvGrpSpPr>
+      <p:grpSpPr>
+        <a:xfrm>
+          <a:off x="0" y="0"/>
+          <a:ext cx="0" cy="0"/>
+          <a:chOff x="0" y="0"/>
+          <a:chExt cx="0" cy="0"/>
+        </a:xfrm>
+      </p:grpSpPr>
+      <p:sp>
+        <p:nvSpPr>
+          <p:cNvPr id="2" name="Titolo 1">
+            <a:extLst>
+              <a:ext uri="{FF2B5EF4-FFF2-40B4-BE49-F238E27FC236}">
+                <a16:creationId xmlns:a16="http://schemas.microsoft.com/office/drawing/2014/main" id="{7ED690D3-0688-44D4-82A8-ACA6F6B4A0AC}"/>
+              </a:ext>
+            </a:extLst>
+          </p:cNvPr>
+          <p:cNvSpPr>
+            <a:spLocks noGrp="1"/>
+          </p:cNvSpPr>
+          <p:nvPr>
+            <p:ph type="title"/>
+          </p:nvPr>
+        </p:nvSpPr>
+        <p:spPr/>
+        <p:txBody>
+          <a:bodyPr/>
+          <a:lstStyle/>
+          <a:p>
+            <a:r>
+              <a:rPr lang="it-IT" dirty="0"/>
+              <a:t>Sprint 17/12/19 – 14/12/19</a:t>
+            </a:r>
+          </a:p>
+        </p:txBody>
+      </p:sp>
+      <p:graphicFrame>
+        <p:nvGraphicFramePr>
+          <p:cNvPr id="6" name="Segnaposto contenuto 5">
+            <a:extLst>
+              <a:ext uri="{FF2B5EF4-FFF2-40B4-BE49-F238E27FC236}">
+                <a16:creationId xmlns:a16="http://schemas.microsoft.com/office/drawing/2014/main" id="{5740335F-D312-4211-ADA2-5B337B81C6B4}"/>
+              </a:ext>
+            </a:extLst>
+          </p:cNvPr>
+          <p:cNvGraphicFramePr>
+            <a:graphicFrameLocks noGrp="1"/>
+          </p:cNvGraphicFramePr>
+          <p:nvPr>
+            <p:ph idx="1"/>
+            <p:extLst>
+              <p:ext uri="{D42A27DB-BD31-4B8C-83A1-F6EECF244321}">
+                <p14:modId xmlns:p14="http://schemas.microsoft.com/office/powerpoint/2010/main" val="1610127498"/>
+              </p:ext>
+            </p:extLst>
+          </p:nvPr>
+        </p:nvGraphicFramePr>
+        <p:xfrm>
+          <a:off x="1103313" y="1702191"/>
+          <a:ext cx="9264576" cy="4546209"/>
+        </p:xfrm>
+        <a:graphic>
+          <a:graphicData uri="http://schemas.openxmlformats.org/drawingml/2006/chart">
+            <c:chart xmlns:c="http://schemas.openxmlformats.org/drawingml/2006/chart" xmlns:r="http://schemas.openxmlformats.org/officeDocument/2006/relationships" r:id="rId2"/>
+          </a:graphicData>
+        </a:graphic>
+      </p:graphicFrame>
+    </p:spTree>
+    <p:extLst>
+      <p:ext uri="{BB962C8B-B14F-4D97-AF65-F5344CB8AC3E}">
+        <p14:creationId xmlns:p14="http://schemas.microsoft.com/office/powerpoint/2010/main" val="1339738920"/>
+      </p:ext>
+    </p:extLst>
+  </p:cSld>
+  <p:clrMapOvr>
+    <a:masterClrMapping/>
+  </p:clrMapOvr>
+</p:sld>
+</file>
+
+<file path=ppt/slides/slide20.xml><?xml version="1.0" encoding="utf-8"?>
 <p:sld xmlns:a="http://schemas.openxmlformats.org/drawingml/2006/main" xmlns:r="http://schemas.openxmlformats.org/officeDocument/2006/relationships" xmlns:p="http://schemas.openxmlformats.org/presentationml/2006/main">
   <p:cSld>
     <p:spTree>
@@ -10067,96 +10217,7 @@
 </p:sld>
 </file>
 
-<file path=ppt/slides/slide2.xml><?xml version="1.0" encoding="utf-8"?>
-<p:sld xmlns:a="http://schemas.openxmlformats.org/drawingml/2006/main" xmlns:r="http://schemas.openxmlformats.org/officeDocument/2006/relationships" xmlns:p="http://schemas.openxmlformats.org/presentationml/2006/main">
-  <p:cSld>
-    <p:spTree>
-      <p:nvGrpSpPr>
-        <p:cNvPr id="1" name=""/>
-        <p:cNvGrpSpPr/>
-        <p:nvPr/>
-      </p:nvGrpSpPr>
-      <p:grpSpPr>
-        <a:xfrm>
-          <a:off x="0" y="0"/>
-          <a:ext cx="0" cy="0"/>
-          <a:chOff x="0" y="0"/>
-          <a:chExt cx="0" cy="0"/>
-        </a:xfrm>
-      </p:grpSpPr>
-      <p:sp>
-        <p:nvSpPr>
-          <p:cNvPr id="2" name="Titolo 1">
-            <a:extLst>
-              <a:ext uri="{FF2B5EF4-FFF2-40B4-BE49-F238E27FC236}">
-                <a16:creationId xmlns:a16="http://schemas.microsoft.com/office/drawing/2014/main" id="{7ED690D3-0688-44D4-82A8-ACA6F6B4A0AC}"/>
-              </a:ext>
-            </a:extLst>
-          </p:cNvPr>
-          <p:cNvSpPr>
-            <a:spLocks noGrp="1"/>
-          </p:cNvSpPr>
-          <p:nvPr>
-            <p:ph type="title"/>
-          </p:nvPr>
-        </p:nvSpPr>
-        <p:spPr/>
-        <p:txBody>
-          <a:bodyPr/>
-          <a:lstStyle/>
-          <a:p>
-            <a:r>
-              <a:rPr lang="it-IT" dirty="0"/>
-              <a:t>Sprint 17/12/19 – 14/12/19</a:t>
-            </a:r>
-          </a:p>
-        </p:txBody>
-      </p:sp>
-      <p:graphicFrame>
-        <p:nvGraphicFramePr>
-          <p:cNvPr id="6" name="Segnaposto contenuto 5">
-            <a:extLst>
-              <a:ext uri="{FF2B5EF4-FFF2-40B4-BE49-F238E27FC236}">
-                <a16:creationId xmlns:a16="http://schemas.microsoft.com/office/drawing/2014/main" id="{5740335F-D312-4211-ADA2-5B337B81C6B4}"/>
-              </a:ext>
-            </a:extLst>
-          </p:cNvPr>
-          <p:cNvGraphicFramePr>
-            <a:graphicFrameLocks noGrp="1"/>
-          </p:cNvGraphicFramePr>
-          <p:nvPr>
-            <p:ph idx="1"/>
-            <p:extLst>
-              <p:ext uri="{D42A27DB-BD31-4B8C-83A1-F6EECF244321}">
-                <p14:modId xmlns:p14="http://schemas.microsoft.com/office/powerpoint/2010/main" val="1610127498"/>
-              </p:ext>
-            </p:extLst>
-          </p:nvPr>
-        </p:nvGraphicFramePr>
-        <p:xfrm>
-          <a:off x="1103313" y="1702191"/>
-          <a:ext cx="9264576" cy="4546209"/>
-        </p:xfrm>
-        <a:graphic>
-          <a:graphicData uri="http://schemas.openxmlformats.org/drawingml/2006/chart">
-            <c:chart xmlns:c="http://schemas.openxmlformats.org/drawingml/2006/chart" xmlns:r="http://schemas.openxmlformats.org/officeDocument/2006/relationships" r:id="rId2"/>
-          </a:graphicData>
-        </a:graphic>
-      </p:graphicFrame>
-    </p:spTree>
-    <p:extLst>
-      <p:ext uri="{BB962C8B-B14F-4D97-AF65-F5344CB8AC3E}">
-        <p14:creationId xmlns:p14="http://schemas.microsoft.com/office/powerpoint/2010/main" val="1339738920"/>
-      </p:ext>
-    </p:extLst>
-  </p:cSld>
-  <p:clrMapOvr>
-    <a:masterClrMapping/>
-  </p:clrMapOvr>
-</p:sld>
-</file>
-
-<file path=ppt/slides/slide20.xml><?xml version="1.0" encoding="utf-8"?>
+<file path=ppt/slides/slide21.xml><?xml version="1.0" encoding="utf-8"?>
 <p:sld xmlns:a="http://schemas.openxmlformats.org/drawingml/2006/main" xmlns:r="http://schemas.openxmlformats.org/officeDocument/2006/relationships" xmlns:p="http://schemas.openxmlformats.org/presentationml/2006/main">
   <p:cSld>
     <p:bg>
@@ -11244,7 +11305,7 @@
 </p:sld>
 </file>
 
-<file path=ppt/slides/slide21.xml><?xml version="1.0" encoding="utf-8"?>
+<file path=ppt/slides/slide22.xml><?xml version="1.0" encoding="utf-8"?>
 <p:sld xmlns:a="http://schemas.openxmlformats.org/drawingml/2006/main" xmlns:r="http://schemas.openxmlformats.org/officeDocument/2006/relationships" xmlns:p="http://schemas.openxmlformats.org/presentationml/2006/main">
   <p:cSld>
     <p:spTree>
@@ -11370,7 +11431,7 @@
 </p:sld>
 </file>
 
-<file path=ppt/slides/slide22.xml><?xml version="1.0" encoding="utf-8"?>
+<file path=ppt/slides/slide23.xml><?xml version="1.0" encoding="utf-8"?>
 <p:sld xmlns:a="http://schemas.openxmlformats.org/drawingml/2006/main" xmlns:r="http://schemas.openxmlformats.org/officeDocument/2006/relationships" xmlns:p="http://schemas.openxmlformats.org/presentationml/2006/main">
   <p:cSld>
     <p:spTree>
@@ -11676,30 +11737,6 @@
 <file path=ppt/slides/slide4.xml><?xml version="1.0" encoding="utf-8"?>
 <p:sld xmlns:a="http://schemas.openxmlformats.org/drawingml/2006/main" xmlns:r="http://schemas.openxmlformats.org/officeDocument/2006/relationships" xmlns:p="http://schemas.openxmlformats.org/presentationml/2006/main">
   <p:cSld>
-    <p:bg>
-      <p:bgPr>
-        <a:blipFill rotWithShape="1">
-          <a:blip r:embed="rId2">
-            <a:duotone>
-              <a:schemeClr val="bg2">
-                <a:shade val="69000"/>
-                <a:hueMod val="108000"/>
-                <a:satMod val="164000"/>
-                <a:lumMod val="74000"/>
-              </a:schemeClr>
-              <a:schemeClr val="bg2">
-                <a:tint val="96000"/>
-                <a:hueMod val="88000"/>
-                <a:satMod val="140000"/>
-                <a:lumMod val="132000"/>
-              </a:schemeClr>
-            </a:duotone>
-          </a:blip>
-          <a:stretch/>
-        </a:blipFill>
-        <a:effectLst/>
-      </p:bgPr>
-    </p:bg>
     <p:spTree>
       <p:nvGrpSpPr>
         <p:cNvPr id="1" name=""/>
@@ -11716,154 +11753,242 @@
       </p:grpSpPr>
       <p:sp>
         <p:nvSpPr>
-          <p:cNvPr id="8" name="Rectangle 7">
+          <p:cNvPr id="2" name="Titolo 1">
             <a:extLst>
               <a:ext uri="{FF2B5EF4-FFF2-40B4-BE49-F238E27FC236}">
-                <a16:creationId xmlns:a16="http://schemas.microsoft.com/office/drawing/2014/main" id="{DFB3CEA1-88D9-42FB-88ED-1E9807FE6596}"/>
-              </a:ext>
-              <a:ext uri="{C183D7F6-B498-43B3-948B-1728B52AA6E4}">
-                <adec:decorative xmlns:adec="http://schemas.microsoft.com/office/drawing/2017/decorative" val="1"/>
+                <a16:creationId xmlns:a16="http://schemas.microsoft.com/office/drawing/2014/main" id="{40EA9973-E061-4066-8F4B-EFDFBA35B8E5}"/>
               </a:ext>
             </a:extLst>
           </p:cNvPr>
           <p:cNvSpPr>
-            <a:spLocks noGrp="1" noRot="1" noChangeAspect="1" noMove="1" noResize="1" noEditPoints="1" noAdjustHandles="1" noChangeArrowheads="1" noChangeShapeType="1" noTextEdit="1"/>
-          </p:cNvSpPr>
-          <p:nvPr>
-            <p:extLst>
-              <p:ext uri="{386F3935-93C4-4BCD-93E2-E3B085C9AB24}">
-                <p16:designElem xmlns:p16="http://schemas.microsoft.com/office/powerpoint/2015/main" val="1"/>
-              </p:ext>
-            </p:extLst>
+            <a:spLocks noGrp="1"/>
+          </p:cNvSpPr>
+          <p:nvPr>
+            <p:ph type="title"/>
           </p:nvPr>
         </p:nvSpPr>
         <p:spPr>
           <a:xfrm>
-            <a:off x="477012" y="480060"/>
-            <a:ext cx="11237976" cy="5897880"/>
+            <a:off x="646111" y="452718"/>
+            <a:ext cx="9404723" cy="1400530"/>
           </a:xfrm>
-          <a:prstGeom prst="rect">
-            <a:avLst/>
-          </a:prstGeom>
-          <a:solidFill>
-            <a:srgbClr val="FFFFFF"/>
-          </a:solidFill>
-          <a:ln>
-            <a:noFill/>
-          </a:ln>
         </p:spPr>
-        <p:style>
-          <a:lnRef idx="2">
-            <a:schemeClr val="accent1">
-              <a:shade val="50000"/>
-            </a:schemeClr>
-          </a:lnRef>
-          <a:fillRef idx="1">
-            <a:schemeClr val="accent1"/>
-          </a:fillRef>
-          <a:effectRef idx="0">
-            <a:schemeClr val="accent1"/>
-          </a:effectRef>
-          <a:fontRef idx="minor">
-            <a:schemeClr val="lt1"/>
-          </a:fontRef>
-        </p:style>
         <p:txBody>
-          <a:bodyPr rtlCol="0" anchor="ctr"/>
+          <a:bodyPr/>
           <a:lstStyle/>
           <a:p>
-            <a:pPr algn="ctr"/>
-            <a:endParaRPr lang="en-US" dirty="0"/>
+            <a:r>
+              <a:rPr lang="it-IT" sz="6000" b="1" dirty="0"/>
+              <a:t>Definition of </a:t>
+            </a:r>
+            <a:r>
+              <a:rPr lang="it-IT" sz="6000" b="1" dirty="0" err="1"/>
+              <a:t>done</a:t>
+            </a:r>
+            <a:endParaRPr lang="it-IT" sz="6000" b="1" dirty="0"/>
           </a:p>
         </p:txBody>
       </p:sp>
-      <p:pic>
-        <p:nvPicPr>
-          <p:cNvPr id="3" name="Immagine 2">
+      <p:sp>
+        <p:nvSpPr>
+          <p:cNvPr id="3" name="Titolo 1">
             <a:extLst>
               <a:ext uri="{FF2B5EF4-FFF2-40B4-BE49-F238E27FC236}">
-                <a16:creationId xmlns:a16="http://schemas.microsoft.com/office/drawing/2014/main" id="{2AEB0895-4FBC-48B2-84CF-DFE12C5C6F5A}"/>
+                <a16:creationId xmlns:a16="http://schemas.microsoft.com/office/drawing/2014/main" id="{588EE772-9260-4483-B80F-CF998B08F83D}"/>
               </a:ext>
             </a:extLst>
           </p:cNvPr>
-          <p:cNvPicPr>
-            <a:picLocks noChangeAspect="1"/>
-          </p:cNvPicPr>
+          <p:cNvSpPr txBox="1">
+            <a:spLocks/>
+          </p:cNvSpPr>
           <p:nvPr/>
-        </p:nvPicPr>
-        <p:blipFill>
-          <a:blip r:embed="rId3"/>
-          <a:stretch>
-            <a:fillRect/>
-          </a:stretch>
-        </p:blipFill>
+        </p:nvSpPr>
         <p:spPr>
           <a:xfrm>
-            <a:off x="643467" y="1956816"/>
-            <a:ext cx="10905066" cy="2944368"/>
+            <a:off x="646111" y="1853248"/>
+            <a:ext cx="10157880" cy="3506543"/>
           </a:xfrm>
           <a:prstGeom prst="rect">
             <a:avLst/>
           </a:prstGeom>
         </p:spPr>
-      </p:pic>
-      <p:sp>
-        <p:nvSpPr>
-          <p:cNvPr id="10" name="Rectangle 9">
-            <a:extLst>
-              <a:ext uri="{FF2B5EF4-FFF2-40B4-BE49-F238E27FC236}">
-                <a16:creationId xmlns:a16="http://schemas.microsoft.com/office/drawing/2014/main" id="{9A6C928E-4252-4F33-8C34-E50A12A3170B}"/>
-              </a:ext>
-              <a:ext uri="{C183D7F6-B498-43B3-948B-1728B52AA6E4}">
-                <adec:decorative xmlns:adec="http://schemas.microsoft.com/office/drawing/2017/decorative" val="1"/>
-              </a:ext>
-            </a:extLst>
-          </p:cNvPr>
-          <p:cNvSpPr>
-            <a:spLocks noGrp="1" noRot="1" noChangeAspect="1" noMove="1" noResize="1" noEditPoints="1" noAdjustHandles="1" noChangeArrowheads="1" noChangeShapeType="1" noTextEdit="1"/>
-          </p:cNvSpPr>
-          <p:nvPr>
-            <p:extLst>
-              <p:ext uri="{386F3935-93C4-4BCD-93E2-E3B085C9AB24}">
-                <p16:designElem xmlns:p16="http://schemas.microsoft.com/office/powerpoint/2015/main" val="1"/>
-              </p:ext>
-            </p:extLst>
-          </p:nvPr>
-        </p:nvSpPr>
-        <p:spPr>
-          <a:xfrm>
-            <a:off x="10437812" y="0"/>
-            <a:ext cx="685800" cy="1143000"/>
-          </a:xfrm>
-          <a:prstGeom prst="rect">
-            <a:avLst/>
-          </a:prstGeom>
-          <a:solidFill>
-            <a:schemeClr val="accent1"/>
-          </a:solidFill>
-          <a:ln>
-            <a:noFill/>
-          </a:ln>
-        </p:spPr>
-        <p:style>
-          <a:lnRef idx="1">
-            <a:schemeClr val="accent1"/>
-          </a:lnRef>
-          <a:fillRef idx="3">
-            <a:schemeClr val="accent1"/>
-          </a:fillRef>
-          <a:effectRef idx="2">
-            <a:schemeClr val="accent1"/>
-          </a:effectRef>
-          <a:fontRef idx="minor">
-            <a:schemeClr val="lt1"/>
-          </a:fontRef>
-        </p:style>
+        <p:txBody>
+          <a:bodyPr vert="horz" lIns="91440" tIns="45720" rIns="91440" bIns="45720" rtlCol="0" anchor="t">
+            <a:noAutofit/>
+          </a:bodyPr>
+          <a:lstStyle>
+            <a:lvl1pPr algn="l" defTabSz="457200" rtl="0" eaLnBrk="1" latinLnBrk="0" hangingPunct="1">
+              <a:spcBef>
+                <a:spcPct val="0"/>
+              </a:spcBef>
+              <a:buNone/>
+              <a:defRPr sz="4200" b="0" i="0" kern="1200">
+                <a:solidFill>
+                  <a:schemeClr val="tx2"/>
+                </a:solidFill>
+                <a:latin typeface="+mj-lt"/>
+                <a:ea typeface="+mj-ea"/>
+                <a:cs typeface="+mj-cs"/>
+              </a:defRPr>
+            </a:lvl1pPr>
+            <a:lvl2pPr eaLnBrk="1" hangingPunct="1">
+              <a:defRPr>
+                <a:solidFill>
+                  <a:schemeClr val="tx2"/>
+                </a:solidFill>
+              </a:defRPr>
+            </a:lvl2pPr>
+            <a:lvl3pPr eaLnBrk="1" hangingPunct="1">
+              <a:defRPr>
+                <a:solidFill>
+                  <a:schemeClr val="tx2"/>
+                </a:solidFill>
+              </a:defRPr>
+            </a:lvl3pPr>
+            <a:lvl4pPr eaLnBrk="1" hangingPunct="1">
+              <a:defRPr>
+                <a:solidFill>
+                  <a:schemeClr val="tx2"/>
+                </a:solidFill>
+              </a:defRPr>
+            </a:lvl4pPr>
+            <a:lvl5pPr eaLnBrk="1" hangingPunct="1">
+              <a:defRPr>
+                <a:solidFill>
+                  <a:schemeClr val="tx2"/>
+                </a:solidFill>
+              </a:defRPr>
+            </a:lvl5pPr>
+            <a:lvl6pPr eaLnBrk="1" hangingPunct="1">
+              <a:defRPr>
+                <a:solidFill>
+                  <a:schemeClr val="tx2"/>
+                </a:solidFill>
+              </a:defRPr>
+            </a:lvl6pPr>
+            <a:lvl7pPr eaLnBrk="1" hangingPunct="1">
+              <a:defRPr>
+                <a:solidFill>
+                  <a:schemeClr val="tx2"/>
+                </a:solidFill>
+              </a:defRPr>
+            </a:lvl7pPr>
+            <a:lvl8pPr eaLnBrk="1" hangingPunct="1">
+              <a:defRPr>
+                <a:solidFill>
+                  <a:schemeClr val="tx2"/>
+                </a:solidFill>
+              </a:defRPr>
+            </a:lvl8pPr>
+            <a:lvl9pPr eaLnBrk="1" hangingPunct="1">
+              <a:defRPr>
+                <a:solidFill>
+                  <a:schemeClr val="tx2"/>
+                </a:solidFill>
+              </a:defRPr>
+            </a:lvl9pPr>
+          </a:lstStyle>
+          <a:p>
+            <a:pPr marL="571500" indent="-571500">
+              <a:buFont typeface="Arial" panose="020B0604020202020204" pitchFamily="34" charset="0"/>
+              <a:buChar char="•"/>
+            </a:pPr>
+            <a:r>
+              <a:rPr lang="it-IT" sz="3700" dirty="0">
+                <a:solidFill>
+                  <a:srgbClr val="FFC000"/>
+                </a:solidFill>
+              </a:rPr>
+              <a:t>Code review</a:t>
+            </a:r>
+          </a:p>
+          <a:p>
+            <a:pPr marL="571500" indent="-571500">
+              <a:buFont typeface="Arial" panose="020B0604020202020204" pitchFamily="34" charset="0"/>
+              <a:buChar char="•"/>
+            </a:pPr>
+            <a:r>
+              <a:rPr lang="it-IT" sz="3700" dirty="0">
+                <a:solidFill>
+                  <a:schemeClr val="accent1">
+                    <a:lumMod val="60000"/>
+                    <a:lumOff val="40000"/>
+                  </a:schemeClr>
+                </a:solidFill>
+              </a:rPr>
+              <a:t>Unit testing</a:t>
+            </a:r>
+          </a:p>
+          <a:p>
+            <a:pPr marL="571500" indent="-571500">
+              <a:buFont typeface="Arial" panose="020B0604020202020204" pitchFamily="34" charset="0"/>
+              <a:buChar char="•"/>
+            </a:pPr>
+            <a:r>
+              <a:rPr lang="it-IT" sz="3700" dirty="0">
+                <a:solidFill>
+                  <a:srgbClr val="92D050"/>
+                </a:solidFill>
+              </a:rPr>
+              <a:t>Performance testing</a:t>
+            </a:r>
+          </a:p>
+          <a:p>
+            <a:pPr marL="571500" indent="-571500">
+              <a:buFont typeface="Arial" panose="020B0604020202020204" pitchFamily="34" charset="0"/>
+              <a:buChar char="•"/>
+            </a:pPr>
+            <a:r>
+              <a:rPr lang="it-IT" sz="3700" dirty="0">
+                <a:solidFill>
+                  <a:srgbClr val="00B0F0"/>
+                </a:solidFill>
+              </a:rPr>
+              <a:t>E2E testing</a:t>
+            </a:r>
+          </a:p>
+          <a:p>
+            <a:pPr marL="571500" indent="-571500">
+              <a:buFont typeface="Arial" panose="020B0604020202020204" pitchFamily="34" charset="0"/>
+              <a:buChar char="•"/>
+            </a:pPr>
+            <a:r>
+              <a:rPr lang="it-IT" sz="3700" dirty="0">
+                <a:solidFill>
+                  <a:schemeClr val="bg2">
+                    <a:lumMod val="20000"/>
+                    <a:lumOff val="80000"/>
+                  </a:schemeClr>
+                </a:solidFill>
+              </a:rPr>
+              <a:t>Verification of </a:t>
+            </a:r>
+            <a:r>
+              <a:rPr lang="it-IT" sz="3700" dirty="0" err="1">
+                <a:solidFill>
+                  <a:schemeClr val="bg2">
+                    <a:lumMod val="20000"/>
+                    <a:lumOff val="80000"/>
+                  </a:schemeClr>
+                </a:solidFill>
+              </a:rPr>
+              <a:t>accessibility</a:t>
+            </a:r>
+            <a:endParaRPr lang="it-IT" sz="3700" dirty="0">
+              <a:solidFill>
+                <a:schemeClr val="bg2">
+                  <a:lumMod val="20000"/>
+                  <a:lumOff val="80000"/>
+                </a:schemeClr>
+              </a:solidFill>
+            </a:endParaRPr>
+          </a:p>
+        </p:txBody>
       </p:sp>
     </p:spTree>
     <p:extLst>
       <p:ext uri="{BB962C8B-B14F-4D97-AF65-F5344CB8AC3E}">
-        <p14:creationId xmlns:p14="http://schemas.microsoft.com/office/powerpoint/2010/main" val="3449580714"/>
+        <p14:creationId xmlns:p14="http://schemas.microsoft.com/office/powerpoint/2010/main" val="2160423048"/>
       </p:ext>
     </p:extLst>
   </p:cSld>
@@ -11982,7 +12107,7 @@
           <p:cNvPr id="3" name="Immagine 2">
             <a:extLst>
               <a:ext uri="{FF2B5EF4-FFF2-40B4-BE49-F238E27FC236}">
-                <a16:creationId xmlns:a16="http://schemas.microsoft.com/office/drawing/2014/main" id="{A3E59E00-A119-4E69-85C9-D826C2E26092}"/>
+                <a16:creationId xmlns:a16="http://schemas.microsoft.com/office/drawing/2014/main" id="{2AEB0895-4FBC-48B2-84CF-DFE12C5C6F5A}"/>
               </a:ext>
             </a:extLst>
           </p:cNvPr>
@@ -11999,8 +12124,8 @@
         </p:blipFill>
         <p:spPr>
           <a:xfrm>
-            <a:off x="643467" y="1261239"/>
-            <a:ext cx="10905066" cy="4362026"/>
+            <a:off x="643467" y="1956816"/>
+            <a:ext cx="10905066" cy="2944368"/>
           </a:xfrm>
           <a:prstGeom prst="rect">
             <a:avLst/>
@@ -12063,6 +12188,206 @@
     </p:spTree>
     <p:extLst>
       <p:ext uri="{BB962C8B-B14F-4D97-AF65-F5344CB8AC3E}">
+        <p14:creationId xmlns:p14="http://schemas.microsoft.com/office/powerpoint/2010/main" val="3449580714"/>
+      </p:ext>
+    </p:extLst>
+  </p:cSld>
+  <p:clrMapOvr>
+    <a:masterClrMapping/>
+  </p:clrMapOvr>
+</p:sld>
+</file>
+
+<file path=ppt/slides/slide6.xml><?xml version="1.0" encoding="utf-8"?>
+<p:sld xmlns:a="http://schemas.openxmlformats.org/drawingml/2006/main" xmlns:r="http://schemas.openxmlformats.org/officeDocument/2006/relationships" xmlns:p="http://schemas.openxmlformats.org/presentationml/2006/main">
+  <p:cSld>
+    <p:bg>
+      <p:bgPr>
+        <a:blipFill rotWithShape="1">
+          <a:blip r:embed="rId2">
+            <a:duotone>
+              <a:schemeClr val="bg2">
+                <a:shade val="69000"/>
+                <a:hueMod val="108000"/>
+                <a:satMod val="164000"/>
+                <a:lumMod val="74000"/>
+              </a:schemeClr>
+              <a:schemeClr val="bg2">
+                <a:tint val="96000"/>
+                <a:hueMod val="88000"/>
+                <a:satMod val="140000"/>
+                <a:lumMod val="132000"/>
+              </a:schemeClr>
+            </a:duotone>
+          </a:blip>
+          <a:stretch/>
+        </a:blipFill>
+        <a:effectLst/>
+      </p:bgPr>
+    </p:bg>
+    <p:spTree>
+      <p:nvGrpSpPr>
+        <p:cNvPr id="1" name=""/>
+        <p:cNvGrpSpPr/>
+        <p:nvPr/>
+      </p:nvGrpSpPr>
+      <p:grpSpPr>
+        <a:xfrm>
+          <a:off x="0" y="0"/>
+          <a:ext cx="0" cy="0"/>
+          <a:chOff x="0" y="0"/>
+          <a:chExt cx="0" cy="0"/>
+        </a:xfrm>
+      </p:grpSpPr>
+      <p:sp>
+        <p:nvSpPr>
+          <p:cNvPr id="8" name="Rectangle 7">
+            <a:extLst>
+              <a:ext uri="{FF2B5EF4-FFF2-40B4-BE49-F238E27FC236}">
+                <a16:creationId xmlns:a16="http://schemas.microsoft.com/office/drawing/2014/main" id="{DFB3CEA1-88D9-42FB-88ED-1E9807FE6596}"/>
+              </a:ext>
+              <a:ext uri="{C183D7F6-B498-43B3-948B-1728B52AA6E4}">
+                <adec:decorative xmlns:adec="http://schemas.microsoft.com/office/drawing/2017/decorative" val="1"/>
+              </a:ext>
+            </a:extLst>
+          </p:cNvPr>
+          <p:cNvSpPr>
+            <a:spLocks noGrp="1" noRot="1" noChangeAspect="1" noMove="1" noResize="1" noEditPoints="1" noAdjustHandles="1" noChangeArrowheads="1" noChangeShapeType="1" noTextEdit="1"/>
+          </p:cNvSpPr>
+          <p:nvPr>
+            <p:extLst>
+              <p:ext uri="{386F3935-93C4-4BCD-93E2-E3B085C9AB24}">
+                <p16:designElem xmlns:p16="http://schemas.microsoft.com/office/powerpoint/2015/main" val="1"/>
+              </p:ext>
+            </p:extLst>
+          </p:nvPr>
+        </p:nvSpPr>
+        <p:spPr>
+          <a:xfrm>
+            <a:off x="477012" y="480060"/>
+            <a:ext cx="11237976" cy="5897880"/>
+          </a:xfrm>
+          <a:prstGeom prst="rect">
+            <a:avLst/>
+          </a:prstGeom>
+          <a:solidFill>
+            <a:srgbClr val="FFFFFF"/>
+          </a:solidFill>
+          <a:ln>
+            <a:noFill/>
+          </a:ln>
+        </p:spPr>
+        <p:style>
+          <a:lnRef idx="2">
+            <a:schemeClr val="accent1">
+              <a:shade val="50000"/>
+            </a:schemeClr>
+          </a:lnRef>
+          <a:fillRef idx="1">
+            <a:schemeClr val="accent1"/>
+          </a:fillRef>
+          <a:effectRef idx="0">
+            <a:schemeClr val="accent1"/>
+          </a:effectRef>
+          <a:fontRef idx="minor">
+            <a:schemeClr val="lt1"/>
+          </a:fontRef>
+        </p:style>
+        <p:txBody>
+          <a:bodyPr rtlCol="0" anchor="ctr"/>
+          <a:lstStyle/>
+          <a:p>
+            <a:pPr algn="ctr"/>
+            <a:endParaRPr lang="en-US" dirty="0"/>
+          </a:p>
+        </p:txBody>
+      </p:sp>
+      <p:pic>
+        <p:nvPicPr>
+          <p:cNvPr id="3" name="Immagine 2">
+            <a:extLst>
+              <a:ext uri="{FF2B5EF4-FFF2-40B4-BE49-F238E27FC236}">
+                <a16:creationId xmlns:a16="http://schemas.microsoft.com/office/drawing/2014/main" id="{A3E59E00-A119-4E69-85C9-D826C2E26092}"/>
+              </a:ext>
+            </a:extLst>
+          </p:cNvPr>
+          <p:cNvPicPr>
+            <a:picLocks noChangeAspect="1"/>
+          </p:cNvPicPr>
+          <p:nvPr/>
+        </p:nvPicPr>
+        <p:blipFill>
+          <a:blip r:embed="rId3"/>
+          <a:stretch>
+            <a:fillRect/>
+          </a:stretch>
+        </p:blipFill>
+        <p:spPr>
+          <a:xfrm>
+            <a:off x="643467" y="1261239"/>
+            <a:ext cx="10905066" cy="4362026"/>
+          </a:xfrm>
+          <a:prstGeom prst="rect">
+            <a:avLst/>
+          </a:prstGeom>
+        </p:spPr>
+      </p:pic>
+      <p:sp>
+        <p:nvSpPr>
+          <p:cNvPr id="10" name="Rectangle 9">
+            <a:extLst>
+              <a:ext uri="{FF2B5EF4-FFF2-40B4-BE49-F238E27FC236}">
+                <a16:creationId xmlns:a16="http://schemas.microsoft.com/office/drawing/2014/main" id="{9A6C928E-4252-4F33-8C34-E50A12A3170B}"/>
+              </a:ext>
+              <a:ext uri="{C183D7F6-B498-43B3-948B-1728B52AA6E4}">
+                <adec:decorative xmlns:adec="http://schemas.microsoft.com/office/drawing/2017/decorative" val="1"/>
+              </a:ext>
+            </a:extLst>
+          </p:cNvPr>
+          <p:cNvSpPr>
+            <a:spLocks noGrp="1" noRot="1" noChangeAspect="1" noMove="1" noResize="1" noEditPoints="1" noAdjustHandles="1" noChangeArrowheads="1" noChangeShapeType="1" noTextEdit="1"/>
+          </p:cNvSpPr>
+          <p:nvPr>
+            <p:extLst>
+              <p:ext uri="{386F3935-93C4-4BCD-93E2-E3B085C9AB24}">
+                <p16:designElem xmlns:p16="http://schemas.microsoft.com/office/powerpoint/2015/main" val="1"/>
+              </p:ext>
+            </p:extLst>
+          </p:nvPr>
+        </p:nvSpPr>
+        <p:spPr>
+          <a:xfrm>
+            <a:off x="10437812" y="0"/>
+            <a:ext cx="685800" cy="1143000"/>
+          </a:xfrm>
+          <a:prstGeom prst="rect">
+            <a:avLst/>
+          </a:prstGeom>
+          <a:solidFill>
+            <a:schemeClr val="accent1"/>
+          </a:solidFill>
+          <a:ln>
+            <a:noFill/>
+          </a:ln>
+        </p:spPr>
+        <p:style>
+          <a:lnRef idx="1">
+            <a:schemeClr val="accent1"/>
+          </a:lnRef>
+          <a:fillRef idx="3">
+            <a:schemeClr val="accent1"/>
+          </a:fillRef>
+          <a:effectRef idx="2">
+            <a:schemeClr val="accent1"/>
+          </a:effectRef>
+          <a:fontRef idx="minor">
+            <a:schemeClr val="lt1"/>
+          </a:fontRef>
+        </p:style>
+      </p:sp>
+    </p:spTree>
+    <p:extLst>
+      <p:ext uri="{BB962C8B-B14F-4D97-AF65-F5344CB8AC3E}">
         <p14:creationId xmlns:p14="http://schemas.microsoft.com/office/powerpoint/2010/main" val="3457238236"/>
       </p:ext>
     </p:extLst>
@@ -12073,7 +12398,7 @@
 </p:sld>
 </file>
 
-<file path=ppt/slides/slide6.xml><?xml version="1.0" encoding="utf-8"?>
+<file path=ppt/slides/slide7.xml><?xml version="1.0" encoding="utf-8"?>
 <p:sld xmlns:a="http://schemas.openxmlformats.org/drawingml/2006/main" xmlns:r="http://schemas.openxmlformats.org/officeDocument/2006/relationships" xmlns:p="http://schemas.openxmlformats.org/presentationml/2006/main">
   <p:cSld>
     <p:spTree>
@@ -12133,7 +12458,7 @@
 </p:sld>
 </file>
 
-<file path=ppt/slides/slide7.xml><?xml version="1.0" encoding="utf-8"?>
+<file path=ppt/slides/slide8.xml><?xml version="1.0" encoding="utf-8"?>
 <p:sld xmlns:a="http://schemas.openxmlformats.org/drawingml/2006/main" xmlns:r="http://schemas.openxmlformats.org/officeDocument/2006/relationships" xmlns:p="http://schemas.openxmlformats.org/presentationml/2006/main">
   <p:cSld>
     <p:spTree>
@@ -12193,7 +12518,7 @@
 </p:sld>
 </file>
 
-<file path=ppt/slides/slide8.xml><?xml version="1.0" encoding="utf-8"?>
+<file path=ppt/slides/slide9.xml><?xml version="1.0" encoding="utf-8"?>
 <p:sld xmlns:a="http://schemas.openxmlformats.org/drawingml/2006/main" xmlns:r="http://schemas.openxmlformats.org/officeDocument/2006/relationships" xmlns:p="http://schemas.openxmlformats.org/presentationml/2006/main">
   <p:cSld>
     <p:spTree>
@@ -12244,66 +12569,6 @@
     <p:extLst>
       <p:ext uri="{BB962C8B-B14F-4D97-AF65-F5344CB8AC3E}">
         <p14:creationId xmlns:p14="http://schemas.microsoft.com/office/powerpoint/2010/main" val="260892973"/>
-      </p:ext>
-    </p:extLst>
-  </p:cSld>
-  <p:clrMapOvr>
-    <a:masterClrMapping/>
-  </p:clrMapOvr>
-</p:sld>
-</file>
-
-<file path=ppt/slides/slide9.xml><?xml version="1.0" encoding="utf-8"?>
-<p:sld xmlns:a="http://schemas.openxmlformats.org/drawingml/2006/main" xmlns:r="http://schemas.openxmlformats.org/officeDocument/2006/relationships" xmlns:p="http://schemas.openxmlformats.org/presentationml/2006/main">
-  <p:cSld>
-    <p:spTree>
-      <p:nvGrpSpPr>
-        <p:cNvPr id="1" name=""/>
-        <p:cNvGrpSpPr/>
-        <p:nvPr/>
-      </p:nvGrpSpPr>
-      <p:grpSpPr>
-        <a:xfrm>
-          <a:off x="0" y="0"/>
-          <a:ext cx="0" cy="0"/>
-          <a:chOff x="0" y="0"/>
-          <a:chExt cx="0" cy="0"/>
-        </a:xfrm>
-      </p:grpSpPr>
-      <p:pic>
-        <p:nvPicPr>
-          <p:cNvPr id="3" name="Immagine 2">
-            <a:extLst>
-              <a:ext uri="{FF2B5EF4-FFF2-40B4-BE49-F238E27FC236}">
-                <a16:creationId xmlns:a16="http://schemas.microsoft.com/office/drawing/2014/main" id="{1DAF4443-9696-41FF-9D84-4079CFCEFB3B}"/>
-              </a:ext>
-            </a:extLst>
-          </p:cNvPr>
-          <p:cNvPicPr>
-            <a:picLocks noChangeAspect="1"/>
-          </p:cNvPicPr>
-          <p:nvPr/>
-        </p:nvPicPr>
-        <p:blipFill>
-          <a:blip r:embed="rId2"/>
-          <a:stretch>
-            <a:fillRect/>
-          </a:stretch>
-        </p:blipFill>
-        <p:spPr>
-          <a:xfrm>
-            <a:off x="845533" y="2250458"/>
-            <a:ext cx="10500934" cy="2357083"/>
-          </a:xfrm>
-          <a:prstGeom prst="rect">
-            <a:avLst/>
-          </a:prstGeom>
-        </p:spPr>
-      </p:pic>
-    </p:spTree>
-    <p:extLst>
-      <p:ext uri="{BB962C8B-B14F-4D97-AF65-F5344CB8AC3E}">
-        <p14:creationId xmlns:p14="http://schemas.microsoft.com/office/powerpoint/2010/main" val="515914171"/>
       </p:ext>
     </p:extLst>
   </p:cSld>

--- a/group_info/demo-group_a_14_1.pptx
+++ b/group_info/demo-group_a_14_1.pptx
@@ -7,8 +7,8 @@
   <p:sldIdLst>
     <p:sldId id="256" r:id="rId2"/>
     <p:sldId id="257" r:id="rId3"/>
-    <p:sldId id="262" r:id="rId4"/>
-    <p:sldId id="287" r:id="rId5"/>
+    <p:sldId id="287" r:id="rId4"/>
+    <p:sldId id="262" r:id="rId5"/>
     <p:sldId id="271" r:id="rId6"/>
     <p:sldId id="272" r:id="rId7"/>
     <p:sldId id="283" r:id="rId8"/>
@@ -11543,13 +11543,14 @@
           <a:lstStyle/>
           <a:p>
             <a:r>
-              <a:rPr lang="it-IT" sz="6000" b="1" dirty="0" err="1"/>
-              <a:t>Completed</a:t>
+              <a:rPr lang="it-IT" sz="6000" b="1" dirty="0"/>
+              <a:t>Definition of </a:t>
             </a:r>
             <a:r>
-              <a:rPr lang="it-IT" sz="6000" b="1" dirty="0"/>
-              <a:t> Stories </a:t>
+              <a:rPr lang="it-IT" sz="6000" b="1" dirty="0" err="1"/>
+              <a:t>done</a:t>
             </a:r>
+            <a:endParaRPr lang="it-IT" sz="6000" b="1" dirty="0"/>
           </a:p>
         </p:txBody>
       </p:sp>
@@ -11658,32 +11659,19 @@
               <a:buChar char="•"/>
             </a:pPr>
             <a:r>
-              <a:rPr lang="it-IT" sz="3700" dirty="0"/>
-              <a:t>5 - </a:t>
-            </a:r>
-            <a:r>
-              <a:rPr lang="it-IT" sz="3700" dirty="0" err="1">
+              <a:rPr lang="it-IT" sz="3700" dirty="0">
                 <a:solidFill>
                   <a:srgbClr val="FFC000"/>
                 </a:solidFill>
               </a:rPr>
-              <a:t>Parent</a:t>
+              <a:t>Code review</a:t>
             </a:r>
-            <a:endParaRPr lang="it-IT" sz="3700" dirty="0">
-              <a:solidFill>
-                <a:srgbClr val="FFC000"/>
-              </a:solidFill>
-            </a:endParaRPr>
           </a:p>
           <a:p>
             <a:pPr marL="571500" indent="-571500">
               <a:buFont typeface="Arial" panose="020B0604020202020204" pitchFamily="34" charset="0"/>
               <a:buChar char="•"/>
             </a:pPr>
-            <a:r>
-              <a:rPr lang="it-IT" sz="3700" dirty="0"/>
-              <a:t>2 - </a:t>
-            </a:r>
             <a:r>
               <a:rPr lang="it-IT" sz="3700" dirty="0">
                 <a:solidFill>
@@ -11693,7 +11681,7 @@
                   </a:schemeClr>
                 </a:solidFill>
               </a:rPr>
-              <a:t>Administrator</a:t>
+              <a:t>Unit testing</a:t>
             </a:r>
           </a:p>
           <a:p>
@@ -11702,20 +11690,61 @@
               <a:buChar char="•"/>
             </a:pPr>
             <a:r>
-              <a:rPr lang="it-IT" sz="3700" dirty="0"/>
-              <a:t>9 - </a:t>
+              <a:rPr lang="it-IT" sz="3700" dirty="0">
+                <a:solidFill>
+                  <a:srgbClr val="92D050"/>
+                </a:solidFill>
+              </a:rPr>
+              <a:t>Performance testing</a:t>
+            </a:r>
+          </a:p>
+          <a:p>
+            <a:pPr marL="571500" indent="-571500">
+              <a:buFont typeface="Arial" panose="020B0604020202020204" pitchFamily="34" charset="0"/>
+              <a:buChar char="•"/>
+            </a:pPr>
+            <a:r>
+              <a:rPr lang="it-IT" sz="3700" dirty="0">
+                <a:solidFill>
+                  <a:srgbClr val="00B0F0"/>
+                </a:solidFill>
+              </a:rPr>
+              <a:t>E2E testing</a:t>
+            </a:r>
+          </a:p>
+          <a:p>
+            <a:pPr marL="571500" indent="-571500">
+              <a:buFont typeface="Arial" panose="020B0604020202020204" pitchFamily="34" charset="0"/>
+              <a:buChar char="•"/>
+            </a:pPr>
+            <a:r>
+              <a:rPr lang="it-IT" sz="3700" dirty="0">
+                <a:solidFill>
+                  <a:schemeClr val="bg2">
+                    <a:lumMod val="20000"/>
+                    <a:lumOff val="80000"/>
+                  </a:schemeClr>
+                </a:solidFill>
+              </a:rPr>
+              <a:t>Verification of </a:t>
             </a:r>
             <a:r>
               <a:rPr lang="it-IT" sz="3700" dirty="0" err="1">
                 <a:solidFill>
-                  <a:schemeClr val="accent6"/>
+                  <a:schemeClr val="bg2">
+                    <a:lumMod val="20000"/>
+                    <a:lumOff val="80000"/>
+                  </a:schemeClr>
                 </a:solidFill>
               </a:rPr>
-              <a:t>Teacher</a:t>
+              <a:t>accessibility</a:t>
             </a:r>
             <a:endParaRPr lang="it-IT" sz="3700" dirty="0">
               <a:solidFill>
-                <a:schemeClr val="accent6"/>
+                <a:schemeClr val="bg2">
+                  <a:lumMod val="20000"/>
+                  <a:lumOff val="80000"/>
+                </a:schemeClr>
               </a:solidFill>
             </a:endParaRPr>
           </a:p>
@@ -11724,7 +11753,7 @@
     </p:spTree>
     <p:extLst>
       <p:ext uri="{BB962C8B-B14F-4D97-AF65-F5344CB8AC3E}">
-        <p14:creationId xmlns:p14="http://schemas.microsoft.com/office/powerpoint/2010/main" val="1197162321"/>
+        <p14:creationId xmlns:p14="http://schemas.microsoft.com/office/powerpoint/2010/main" val="2160423048"/>
       </p:ext>
     </p:extLst>
   </p:cSld>
@@ -11778,14 +11807,13 @@
           <a:lstStyle/>
           <a:p>
             <a:r>
-              <a:rPr lang="it-IT" sz="6000" b="1" dirty="0"/>
-              <a:t>Definition of </a:t>
+              <a:rPr lang="it-IT" sz="6000" b="1" dirty="0" err="1"/>
+              <a:t>Completed</a:t>
             </a:r>
             <a:r>
-              <a:rPr lang="it-IT" sz="6000" b="1" dirty="0" err="1"/>
-              <a:t>done</a:t>
+              <a:rPr lang="it-IT" sz="6000" b="1" dirty="0"/>
+              <a:t> Stories </a:t>
             </a:r>
-            <a:endParaRPr lang="it-IT" sz="6000" b="1" dirty="0"/>
           </a:p>
         </p:txBody>
       </p:sp>
@@ -11894,19 +11922,32 @@
               <a:buChar char="•"/>
             </a:pPr>
             <a:r>
-              <a:rPr lang="it-IT" sz="3700" dirty="0">
+              <a:rPr lang="it-IT" sz="3700" dirty="0"/>
+              <a:t>5 - </a:t>
+            </a:r>
+            <a:r>
+              <a:rPr lang="it-IT" sz="3700" dirty="0" err="1">
                 <a:solidFill>
                   <a:srgbClr val="FFC000"/>
                 </a:solidFill>
               </a:rPr>
-              <a:t>Code review</a:t>
+              <a:t>Parent</a:t>
             </a:r>
+            <a:endParaRPr lang="it-IT" sz="3700" dirty="0">
+              <a:solidFill>
+                <a:srgbClr val="FFC000"/>
+              </a:solidFill>
+            </a:endParaRPr>
           </a:p>
           <a:p>
             <a:pPr marL="571500" indent="-571500">
               <a:buFont typeface="Arial" panose="020B0604020202020204" pitchFamily="34" charset="0"/>
               <a:buChar char="•"/>
             </a:pPr>
+            <a:r>
+              <a:rPr lang="it-IT" sz="3700" dirty="0"/>
+              <a:t>2 - </a:t>
+            </a:r>
             <a:r>
               <a:rPr lang="it-IT" sz="3700" dirty="0">
                 <a:solidFill>
@@ -11916,7 +11957,7 @@
                   </a:schemeClr>
                 </a:solidFill>
               </a:rPr>
-              <a:t>Unit testing</a:t>
+              <a:t>Administrator</a:t>
             </a:r>
           </a:p>
           <a:p>
@@ -11925,61 +11966,20 @@
               <a:buChar char="•"/>
             </a:pPr>
             <a:r>
-              <a:rPr lang="it-IT" sz="3700" dirty="0">
-                <a:solidFill>
-                  <a:srgbClr val="92D050"/>
-                </a:solidFill>
-              </a:rPr>
-              <a:t>Performance testing</a:t>
-            </a:r>
-          </a:p>
-          <a:p>
-            <a:pPr marL="571500" indent="-571500">
-              <a:buFont typeface="Arial" panose="020B0604020202020204" pitchFamily="34" charset="0"/>
-              <a:buChar char="•"/>
-            </a:pPr>
-            <a:r>
-              <a:rPr lang="it-IT" sz="3700" dirty="0">
-                <a:solidFill>
-                  <a:srgbClr val="00B0F0"/>
-                </a:solidFill>
-              </a:rPr>
-              <a:t>E2E testing</a:t>
-            </a:r>
-          </a:p>
-          <a:p>
-            <a:pPr marL="571500" indent="-571500">
-              <a:buFont typeface="Arial" panose="020B0604020202020204" pitchFamily="34" charset="0"/>
-              <a:buChar char="•"/>
-            </a:pPr>
-            <a:r>
-              <a:rPr lang="it-IT" sz="3700" dirty="0">
-                <a:solidFill>
-                  <a:schemeClr val="bg2">
-                    <a:lumMod val="20000"/>
-                    <a:lumOff val="80000"/>
-                  </a:schemeClr>
-                </a:solidFill>
-              </a:rPr>
-              <a:t>Verification of </a:t>
+              <a:rPr lang="it-IT" sz="3700" dirty="0"/>
+              <a:t>9 - </a:t>
             </a:r>
             <a:r>
               <a:rPr lang="it-IT" sz="3700" dirty="0" err="1">
                 <a:solidFill>
-                  <a:schemeClr val="bg2">
-                    <a:lumMod val="20000"/>
-                    <a:lumOff val="80000"/>
-                  </a:schemeClr>
+                  <a:schemeClr val="accent6"/>
                 </a:solidFill>
               </a:rPr>
-              <a:t>accessibility</a:t>
+              <a:t>Teacher</a:t>
             </a:r>
             <a:endParaRPr lang="it-IT" sz="3700" dirty="0">
               <a:solidFill>
-                <a:schemeClr val="bg2">
-                  <a:lumMod val="20000"/>
-                  <a:lumOff val="80000"/>
-                </a:schemeClr>
+                <a:schemeClr val="accent6"/>
               </a:solidFill>
             </a:endParaRPr>
           </a:p>
@@ -11988,7 +11988,7 @@
     </p:spTree>
     <p:extLst>
       <p:ext uri="{BB962C8B-B14F-4D97-AF65-F5344CB8AC3E}">
-        <p14:creationId xmlns:p14="http://schemas.microsoft.com/office/powerpoint/2010/main" val="2160423048"/>
+        <p14:creationId xmlns:p14="http://schemas.microsoft.com/office/powerpoint/2010/main" val="1197162321"/>
       </p:ext>
     </p:extLst>
   </p:cSld>

--- a/group_info/demo-group_a_14_1.pptx
+++ b/group_info/demo-group_a_14_1.pptx
@@ -28,6 +28,7 @@
     <p:sldId id="258" r:id="rId22"/>
     <p:sldId id="260" r:id="rId23"/>
     <p:sldId id="270" r:id="rId24"/>
+    <p:sldId id="288" r:id="rId25"/>
   </p:sldIdLst>
   <p:sldSz cx="12192000" cy="6858000"/>
   <p:notesSz cx="6858000" cy="9144000"/>
@@ -2258,7 +2259,7 @@
           <a:p>
             <a:fld id="{4AAD347D-5ACD-4C99-B74B-A9C85AD731AF}" type="datetimeFigureOut">
               <a:rPr lang="en-US" dirty="0"/>
-              <a:t>1/13/2020</a:t>
+              <a:t>1/14/2020</a:t>
             </a:fld>
             <a:endParaRPr lang="en-US" dirty="0"/>
           </a:p>
@@ -2528,7 +2529,7 @@
           <a:p>
             <a:fld id="{4509A250-FF31-4206-8172-F9D3106AACB1}" type="datetimeFigureOut">
               <a:rPr lang="en-US" dirty="0"/>
-              <a:t>1/13/2020</a:t>
+              <a:t>1/14/2020</a:t>
             </a:fld>
             <a:endParaRPr lang="en-US" dirty="0"/>
           </a:p>
@@ -2717,7 +2718,7 @@
           <a:p>
             <a:fld id="{4509A250-FF31-4206-8172-F9D3106AACB1}" type="datetimeFigureOut">
               <a:rPr lang="en-US" dirty="0"/>
-              <a:t>1/13/2020</a:t>
+              <a:t>1/14/2020</a:t>
             </a:fld>
             <a:endParaRPr lang="en-US" dirty="0"/>
           </a:p>
@@ -2985,7 +2986,7 @@
           <a:p>
             <a:fld id="{4509A250-FF31-4206-8172-F9D3106AACB1}" type="datetimeFigureOut">
               <a:rPr lang="en-US" dirty="0"/>
-              <a:t>1/13/2020</a:t>
+              <a:t>1/14/2020</a:t>
             </a:fld>
             <a:endParaRPr lang="en-US" dirty="0"/>
           </a:p>
@@ -3321,7 +3322,7 @@
           <a:p>
             <a:fld id="{4509A250-FF31-4206-8172-F9D3106AACB1}" type="datetimeFigureOut">
               <a:rPr lang="en-US" dirty="0"/>
-              <a:t>1/13/2020</a:t>
+              <a:t>1/14/2020</a:t>
             </a:fld>
             <a:endParaRPr lang="en-US" dirty="0"/>
           </a:p>
@@ -3939,7 +3940,7 @@
           <a:p>
             <a:fld id="{4509A250-FF31-4206-8172-F9D3106AACB1}" type="datetimeFigureOut">
               <a:rPr lang="en-US" dirty="0"/>
-              <a:t>1/13/2020</a:t>
+              <a:t>1/14/2020</a:t>
             </a:fld>
             <a:endParaRPr lang="en-US" dirty="0"/>
           </a:p>
@@ -4794,7 +4795,7 @@
           <a:p>
             <a:fld id="{4509A250-FF31-4206-8172-F9D3106AACB1}" type="datetimeFigureOut">
               <a:rPr lang="en-US" dirty="0"/>
-              <a:t>1/13/2020</a:t>
+              <a:t>1/14/2020</a:t>
             </a:fld>
             <a:endParaRPr lang="en-US" dirty="0"/>
           </a:p>
@@ -4959,7 +4960,7 @@
           <a:p>
             <a:fld id="{4509A250-FF31-4206-8172-F9D3106AACB1}" type="datetimeFigureOut">
               <a:rPr lang="en-US" dirty="0"/>
-              <a:t>1/13/2020</a:t>
+              <a:t>1/14/2020</a:t>
             </a:fld>
             <a:endParaRPr lang="en-US" dirty="0"/>
           </a:p>
@@ -5134,7 +5135,7 @@
           <a:p>
             <a:fld id="{4509A250-FF31-4206-8172-F9D3106AACB1}" type="datetimeFigureOut">
               <a:rPr lang="en-US" dirty="0"/>
-              <a:t>1/13/2020</a:t>
+              <a:t>1/14/2020</a:t>
             </a:fld>
             <a:endParaRPr lang="en-US" dirty="0"/>
           </a:p>
@@ -5299,7 +5300,7 @@
           <a:p>
             <a:fld id="{4509A250-FF31-4206-8172-F9D3106AACB1}" type="datetimeFigureOut">
               <a:rPr lang="en-US" dirty="0"/>
-              <a:t>1/13/2020</a:t>
+              <a:t>1/14/2020</a:t>
             </a:fld>
             <a:endParaRPr lang="en-US" dirty="0"/>
           </a:p>
@@ -5541,7 +5542,7 @@
           <a:p>
             <a:fld id="{9796027F-7875-4030-9381-8BD8C4F21935}" type="datetimeFigureOut">
               <a:rPr lang="en-US" dirty="0"/>
-              <a:t>1/13/2020</a:t>
+              <a:t>1/14/2020</a:t>
             </a:fld>
             <a:endParaRPr lang="en-US" dirty="0"/>
           </a:p>
@@ -5828,7 +5829,7 @@
           <a:p>
             <a:fld id="{9796027F-7875-4030-9381-8BD8C4F21935}" type="datetimeFigureOut">
               <a:rPr lang="en-US" dirty="0"/>
-              <a:t>1/13/2020</a:t>
+              <a:t>1/14/2020</a:t>
             </a:fld>
             <a:endParaRPr lang="en-US" dirty="0"/>
           </a:p>
@@ -6267,7 +6268,7 @@
           <a:p>
             <a:fld id="{9796027F-7875-4030-9381-8BD8C4F21935}" type="datetimeFigureOut">
               <a:rPr lang="en-US" dirty="0"/>
-              <a:t>1/13/2020</a:t>
+              <a:t>1/14/2020</a:t>
             </a:fld>
             <a:endParaRPr lang="en-US" dirty="0"/>
           </a:p>
@@ -6380,7 +6381,7 @@
           <a:p>
             <a:fld id="{4509A250-FF31-4206-8172-F9D3106AACB1}" type="datetimeFigureOut">
               <a:rPr lang="en-US" dirty="0"/>
-              <a:t>1/13/2020</a:t>
+              <a:t>1/14/2020</a:t>
             </a:fld>
             <a:endParaRPr lang="en-US" dirty="0"/>
           </a:p>
@@ -6470,7 +6471,7 @@
           <a:p>
             <a:fld id="{4509A250-FF31-4206-8172-F9D3106AACB1}" type="datetimeFigureOut">
               <a:rPr lang="en-US" dirty="0"/>
-              <a:t>1/13/2020</a:t>
+              <a:t>1/14/2020</a:t>
             </a:fld>
             <a:endParaRPr lang="en-US" dirty="0"/>
           </a:p>
@@ -6744,7 +6745,7 @@
           <a:p>
             <a:fld id="{4509A250-FF31-4206-8172-F9D3106AACB1}" type="datetimeFigureOut">
               <a:rPr lang="en-US" dirty="0"/>
-              <a:t>1/13/2020</a:t>
+              <a:t>1/14/2020</a:t>
             </a:fld>
             <a:endParaRPr lang="en-US" dirty="0"/>
           </a:p>
@@ -7014,7 +7015,7 @@
           <a:p>
             <a:fld id="{4509A250-FF31-4206-8172-F9D3106AACB1}" type="datetimeFigureOut">
               <a:rPr lang="en-US" dirty="0"/>
-              <a:t>1/13/2020</a:t>
+              <a:t>1/14/2020</a:t>
             </a:fld>
             <a:endParaRPr lang="en-US" dirty="0"/>
           </a:p>
@@ -7438,7 +7439,7 @@
           <a:p>
             <a:fld id="{4AAD347D-5ACD-4C99-B74B-A9C85AD731AF}" type="datetimeFigureOut">
               <a:rPr lang="en-US" dirty="0"/>
-              <a:t>1/13/2020</a:t>
+              <a:t>1/14/2020</a:t>
             </a:fld>
             <a:endParaRPr lang="en-US" dirty="0"/>
           </a:p>
@@ -11499,6 +11500,70 @@
 </p:sld>
 </file>
 
+<file path=ppt/slides/slide24.xml><?xml version="1.0" encoding="utf-8"?>
+<p:sld xmlns:a="http://schemas.openxmlformats.org/drawingml/2006/main" xmlns:r="http://schemas.openxmlformats.org/officeDocument/2006/relationships" xmlns:p="http://schemas.openxmlformats.org/presentationml/2006/main">
+  <p:cSld>
+    <p:spTree>
+      <p:nvGrpSpPr>
+        <p:cNvPr id="1" name=""/>
+        <p:cNvGrpSpPr/>
+        <p:nvPr/>
+      </p:nvGrpSpPr>
+      <p:grpSpPr>
+        <a:xfrm>
+          <a:off x="0" y="0"/>
+          <a:ext cx="0" cy="0"/>
+          <a:chOff x="0" y="0"/>
+          <a:chExt cx="0" cy="0"/>
+        </a:xfrm>
+      </p:grpSpPr>
+      <p:sp>
+        <p:nvSpPr>
+          <p:cNvPr id="2" name="Titolo 1">
+            <a:extLst>
+              <a:ext uri="{FF2B5EF4-FFF2-40B4-BE49-F238E27FC236}">
+                <a16:creationId xmlns:a16="http://schemas.microsoft.com/office/drawing/2014/main" id="{BBC5A6C6-686C-406D-AF0B-CA4CD02D5F71}"/>
+              </a:ext>
+            </a:extLst>
+          </p:cNvPr>
+          <p:cNvSpPr>
+            <a:spLocks noGrp="1"/>
+          </p:cNvSpPr>
+          <p:nvPr>
+            <p:ph type="title"/>
+          </p:nvPr>
+        </p:nvSpPr>
+        <p:spPr>
+          <a:xfrm>
+            <a:off x="1393638" y="2487258"/>
+            <a:ext cx="9404723" cy="1400530"/>
+          </a:xfrm>
+        </p:spPr>
+        <p:txBody>
+          <a:bodyPr anchor="ctr"/>
+          <a:lstStyle/>
+          <a:p>
+            <a:pPr algn="ctr"/>
+            <a:r>
+              <a:rPr lang="it-IT" dirty="0"/>
+              <a:t>THANK YOU!</a:t>
+            </a:r>
+          </a:p>
+        </p:txBody>
+      </p:sp>
+    </p:spTree>
+    <p:extLst>
+      <p:ext uri="{BB962C8B-B14F-4D97-AF65-F5344CB8AC3E}">
+        <p14:creationId xmlns:p14="http://schemas.microsoft.com/office/powerpoint/2010/main" val="2037943231"/>
+      </p:ext>
+    </p:extLst>
+  </p:cSld>
+  <p:clrMapOvr>
+    <a:masterClrMapping/>
+  </p:clrMapOvr>
+</p:sld>
+</file>
+
 <file path=ppt/slides/slide3.xml><?xml version="1.0" encoding="utf-8"?>
 <p:sld xmlns:a="http://schemas.openxmlformats.org/drawingml/2006/main" xmlns:r="http://schemas.openxmlformats.org/officeDocument/2006/relationships" xmlns:p="http://schemas.openxmlformats.org/presentationml/2006/main">
   <p:cSld>
@@ -11548,7 +11613,7 @@
             </a:r>
             <a:r>
               <a:rPr lang="it-IT" sz="6000" b="1" dirty="0" err="1"/>
-              <a:t>done</a:t>
+              <a:t>Done</a:t>
             </a:r>
             <a:endParaRPr lang="it-IT" sz="6000" b="1" dirty="0"/>
           </a:p>
